--- a/Hackathon.pptx
+++ b/Hackathon.pptx
@@ -2,13 +2,14 @@
 <file path=ppt/presentation.xml><?xml version="1.0" encoding="utf-8"?>
 <p:presentation xmlns:a="http://schemas.openxmlformats.org/drawingml/2006/main" xmlns:r="http://schemas.openxmlformats.org/officeDocument/2006/relationships" xmlns:p="http://schemas.openxmlformats.org/presentationml/2006/main" saveSubsetFonts="1">
   <p:sldMasterIdLst>
-    <p:sldMasterId id="2147483648" r:id="rId1"/>
+    <p:sldMasterId id="2147483732" r:id="rId1"/>
   </p:sldMasterIdLst>
   <p:sldIdLst>
     <p:sldId id="256" r:id="rId2"/>
     <p:sldId id="259" r:id="rId3"/>
     <p:sldId id="257" r:id="rId4"/>
     <p:sldId id="258" r:id="rId5"/>
+    <p:sldId id="260" r:id="rId6"/>
   </p:sldIdLst>
   <p:sldSz cx="12192000" cy="6858000"/>
   <p:notesSz cx="6858000" cy="9144000"/>
@@ -129,13 +130,7 @@
       </p:grpSpPr>
       <p:sp>
         <p:nvSpPr>
-          <p:cNvPr id="2" name="Title 1">
-            <a:extLst>
-              <a:ext uri="{FF2B5EF4-FFF2-40B4-BE49-F238E27FC236}">
-                <a16:creationId xmlns:a16="http://schemas.microsoft.com/office/drawing/2014/main" id="{3C836DC8-6A34-6E06-DB72-38A81F46322A}"/>
-              </a:ext>
-            </a:extLst>
-          </p:cNvPr>
+          <p:cNvPr id="2" name="Title 1"/>
           <p:cNvSpPr>
             <a:spLocks noGrp="1"/>
           </p:cNvSpPr>
@@ -145,35 +140,31 @@
         </p:nvSpPr>
         <p:spPr>
           <a:xfrm>
-            <a:off x="1524000" y="1122363"/>
-            <a:ext cx="9144000" cy="2387600"/>
-          </a:xfrm>
-        </p:spPr>
-        <p:txBody>
-          <a:bodyPr anchor="b"/>
+            <a:off x="914400" y="1371601"/>
+            <a:ext cx="10464800" cy="1927225"/>
+          </a:xfrm>
+        </p:spPr>
+        <p:txBody>
+          <a:bodyPr anchor="b">
+            <a:noAutofit/>
+          </a:bodyPr>
           <a:lstStyle>
-            <a:lvl1pPr algn="ctr">
-              <a:defRPr sz="6000"/>
+            <a:lvl1pPr>
+              <a:defRPr sz="5400" cap="all" baseline="0"/>
             </a:lvl1pPr>
           </a:lstStyle>
           <a:p>
             <a:r>
-              <a:rPr lang="en-US"/>
+              <a:rPr lang="en-US" smtClean="0"/>
               <a:t>Click to edit Master title style</a:t>
             </a:r>
-            <a:endParaRPr lang="en-IN"/>
-          </a:p>
-        </p:txBody>
-      </p:sp>
-      <p:sp>
-        <p:nvSpPr>
-          <p:cNvPr id="3" name="Subtitle 2">
-            <a:extLst>
-              <a:ext uri="{FF2B5EF4-FFF2-40B4-BE49-F238E27FC236}">
-                <a16:creationId xmlns:a16="http://schemas.microsoft.com/office/drawing/2014/main" id="{E08097AD-B995-0720-91F9-6A3550B5F068}"/>
-              </a:ext>
-            </a:extLst>
-          </p:cNvPr>
+            <a:endParaRPr lang="en-US" dirty="0"/>
+          </a:p>
+        </p:txBody>
+      </p:sp>
+      <p:sp>
+        <p:nvSpPr>
+          <p:cNvPr id="3" name="Subtitle 2"/>
           <p:cNvSpPr>
             <a:spLocks noGrp="1"/>
           </p:cNvSpPr>
@@ -183,68 +174,117 @@
         </p:nvSpPr>
         <p:spPr>
           <a:xfrm>
-            <a:off x="1524000" y="3602038"/>
-            <a:ext cx="9144000" cy="1655762"/>
+            <a:off x="914400" y="3505200"/>
+            <a:ext cx="8534400" cy="1752600"/>
           </a:xfrm>
         </p:spPr>
         <p:txBody>
           <a:bodyPr/>
           <a:lstStyle>
-            <a:lvl1pPr marL="0" indent="0" algn="ctr">
-              <a:buNone/>
-              <a:defRPr sz="2400"/>
+            <a:lvl1pPr marL="0" indent="0" algn="l">
+              <a:buNone/>
+              <a:defRPr>
+                <a:solidFill>
+                  <a:schemeClr val="tx1">
+                    <a:lumMod val="75000"/>
+                    <a:lumOff val="25000"/>
+                  </a:schemeClr>
+                </a:solidFill>
+              </a:defRPr>
             </a:lvl1pPr>
             <a:lvl2pPr marL="457200" indent="0" algn="ctr">
               <a:buNone/>
-              <a:defRPr sz="2000"/>
+              <a:defRPr>
+                <a:solidFill>
+                  <a:schemeClr val="tx1">
+                    <a:tint val="75000"/>
+                  </a:schemeClr>
+                </a:solidFill>
+              </a:defRPr>
             </a:lvl2pPr>
             <a:lvl3pPr marL="914400" indent="0" algn="ctr">
               <a:buNone/>
-              <a:defRPr sz="1800"/>
+              <a:defRPr>
+                <a:solidFill>
+                  <a:schemeClr val="tx1">
+                    <a:tint val="75000"/>
+                  </a:schemeClr>
+                </a:solidFill>
+              </a:defRPr>
             </a:lvl3pPr>
             <a:lvl4pPr marL="1371600" indent="0" algn="ctr">
               <a:buNone/>
-              <a:defRPr sz="1600"/>
+              <a:defRPr>
+                <a:solidFill>
+                  <a:schemeClr val="tx1">
+                    <a:tint val="75000"/>
+                  </a:schemeClr>
+                </a:solidFill>
+              </a:defRPr>
             </a:lvl4pPr>
             <a:lvl5pPr marL="1828800" indent="0" algn="ctr">
               <a:buNone/>
-              <a:defRPr sz="1600"/>
+              <a:defRPr>
+                <a:solidFill>
+                  <a:schemeClr val="tx1">
+                    <a:tint val="75000"/>
+                  </a:schemeClr>
+                </a:solidFill>
+              </a:defRPr>
             </a:lvl5pPr>
             <a:lvl6pPr marL="2286000" indent="0" algn="ctr">
               <a:buNone/>
-              <a:defRPr sz="1600"/>
+              <a:defRPr>
+                <a:solidFill>
+                  <a:schemeClr val="tx1">
+                    <a:tint val="75000"/>
+                  </a:schemeClr>
+                </a:solidFill>
+              </a:defRPr>
             </a:lvl6pPr>
             <a:lvl7pPr marL="2743200" indent="0" algn="ctr">
               <a:buNone/>
-              <a:defRPr sz="1600"/>
+              <a:defRPr>
+                <a:solidFill>
+                  <a:schemeClr val="tx1">
+                    <a:tint val="75000"/>
+                  </a:schemeClr>
+                </a:solidFill>
+              </a:defRPr>
             </a:lvl7pPr>
             <a:lvl8pPr marL="3200400" indent="0" algn="ctr">
               <a:buNone/>
-              <a:defRPr sz="1600"/>
+              <a:defRPr>
+                <a:solidFill>
+                  <a:schemeClr val="tx1">
+                    <a:tint val="75000"/>
+                  </a:schemeClr>
+                </a:solidFill>
+              </a:defRPr>
             </a:lvl8pPr>
             <a:lvl9pPr marL="3657600" indent="0" algn="ctr">
               <a:buNone/>
-              <a:defRPr sz="1600"/>
+              <a:defRPr>
+                <a:solidFill>
+                  <a:schemeClr val="tx1">
+                    <a:tint val="75000"/>
+                  </a:schemeClr>
+                </a:solidFill>
+              </a:defRPr>
             </a:lvl9pPr>
           </a:lstStyle>
           <a:p>
             <a:r>
-              <a:rPr lang="en-US"/>
+              <a:rPr lang="en-US" smtClean="0"/>
               <a:t>Click to edit Master subtitle style</a:t>
             </a:r>
-            <a:endParaRPr lang="en-IN"/>
-          </a:p>
-        </p:txBody>
-      </p:sp>
-      <p:sp>
-        <p:nvSpPr>
-          <p:cNvPr id="4" name="Date Placeholder 3">
-            <a:extLst>
-              <a:ext uri="{FF2B5EF4-FFF2-40B4-BE49-F238E27FC236}">
-                <a16:creationId xmlns:a16="http://schemas.microsoft.com/office/drawing/2014/main" id="{71BD6E79-83C2-23D3-4B1B-BC6DAFC763D5}"/>
-              </a:ext>
-            </a:extLst>
-          </p:cNvPr>
+            <a:endParaRPr lang="en-US" dirty="0"/>
+          </a:p>
+        </p:txBody>
+      </p:sp>
+      <p:sp>
+        <p:nvSpPr>
+          <p:cNvPr id="4" name="Date Placeholder 3"/>
           <p:cNvSpPr>
             <a:spLocks noGrp="1"/>
           </p:cNvSpPr>
@@ -267,13 +307,7 @@
       </p:sp>
       <p:sp>
         <p:nvSpPr>
-          <p:cNvPr id="5" name="Footer Placeholder 4">
-            <a:extLst>
-              <a:ext uri="{FF2B5EF4-FFF2-40B4-BE49-F238E27FC236}">
-                <a16:creationId xmlns:a16="http://schemas.microsoft.com/office/drawing/2014/main" id="{E0C05143-5352-1C11-64CE-AD84E94ED607}"/>
-              </a:ext>
-            </a:extLst>
-          </p:cNvPr>
+          <p:cNvPr id="5" name="Footer Placeholder 4"/>
           <p:cNvSpPr>
             <a:spLocks noGrp="1"/>
           </p:cNvSpPr>
@@ -292,13 +326,7 @@
       </p:sp>
       <p:sp>
         <p:nvSpPr>
-          <p:cNvPr id="6" name="Slide Number Placeholder 5">
-            <a:extLst>
-              <a:ext uri="{FF2B5EF4-FFF2-40B4-BE49-F238E27FC236}">
-                <a16:creationId xmlns:a16="http://schemas.microsoft.com/office/drawing/2014/main" id="{3956CC8D-1998-FC9C-6342-6D17A863877C}"/>
-              </a:ext>
-            </a:extLst>
-          </p:cNvPr>
+          <p:cNvPr id="6" name="Slide Number Placeholder 5"/>
           <p:cNvSpPr>
             <a:spLocks noGrp="1"/>
           </p:cNvSpPr>
@@ -319,12 +347,42 @@
           </a:p>
         </p:txBody>
       </p:sp>
+      <p:cxnSp>
+        <p:nvCxnSpPr>
+          <p:cNvPr id="8" name="Straight Connector 7"/>
+          <p:cNvCxnSpPr/>
+          <p:nvPr/>
+        </p:nvCxnSpPr>
+        <p:spPr>
+          <a:xfrm>
+            <a:off x="914400" y="3398520"/>
+            <a:ext cx="10464800" cy="1588"/>
+          </a:xfrm>
+          <a:prstGeom prst="line">
+            <a:avLst/>
+          </a:prstGeom>
+          <a:ln w="19050">
+            <a:solidFill>
+              <a:schemeClr val="tx2"/>
+            </a:solidFill>
+          </a:ln>
+        </p:spPr>
+        <p:style>
+          <a:lnRef idx="1">
+            <a:schemeClr val="accent1"/>
+          </a:lnRef>
+          <a:fillRef idx="0">
+            <a:schemeClr val="accent1"/>
+          </a:fillRef>
+          <a:effectRef idx="0">
+            <a:schemeClr val="accent1"/>
+          </a:effectRef>
+          <a:fontRef idx="minor">
+            <a:schemeClr val="tx1"/>
+          </a:fontRef>
+        </p:style>
+      </p:cxnSp>
     </p:spTree>
-    <p:extLst>
-      <p:ext uri="{BB962C8B-B14F-4D97-AF65-F5344CB8AC3E}">
-        <p14:creationId xmlns:p14="http://schemas.microsoft.com/office/powerpoint/2010/main" val="1977609114"/>
-      </p:ext>
-    </p:extLst>
   </p:cSld>
   <p:clrMapOvr>
     <a:masterClrMapping/>
@@ -351,13 +409,7 @@
       </p:grpSpPr>
       <p:sp>
         <p:nvSpPr>
-          <p:cNvPr id="2" name="Title 1">
-            <a:extLst>
-              <a:ext uri="{FF2B5EF4-FFF2-40B4-BE49-F238E27FC236}">
-                <a16:creationId xmlns:a16="http://schemas.microsoft.com/office/drawing/2014/main" id="{AAEF22C7-BBEE-229D-0F09-12FA8E1F03C0}"/>
-              </a:ext>
-            </a:extLst>
-          </p:cNvPr>
+          <p:cNvPr id="2" name="Title 1"/>
           <p:cNvSpPr>
             <a:spLocks noGrp="1"/>
           </p:cNvSpPr>
@@ -371,22 +423,16 @@
           <a:lstStyle/>
           <a:p>
             <a:r>
-              <a:rPr lang="en-US"/>
+              <a:rPr lang="en-US" smtClean="0"/>
               <a:t>Click to edit Master title style</a:t>
             </a:r>
-            <a:endParaRPr lang="en-IN"/>
-          </a:p>
-        </p:txBody>
-      </p:sp>
-      <p:sp>
-        <p:nvSpPr>
-          <p:cNvPr id="3" name="Vertical Text Placeholder 2">
-            <a:extLst>
-              <a:ext uri="{FF2B5EF4-FFF2-40B4-BE49-F238E27FC236}">
-                <a16:creationId xmlns:a16="http://schemas.microsoft.com/office/drawing/2014/main" id="{9DF6DAB2-7865-3699-E858-7523BB7826C2}"/>
-              </a:ext>
-            </a:extLst>
-          </p:cNvPr>
+            <a:endParaRPr lang="en-US"/>
+          </a:p>
+        </p:txBody>
+      </p:sp>
+      <p:sp>
+        <p:nvSpPr>
+          <p:cNvPr id="3" name="Vertical Text Placeholder 2"/>
           <p:cNvSpPr>
             <a:spLocks noGrp="1"/>
           </p:cNvSpPr>
@@ -401,50 +447,44 @@
           <a:p>
             <a:pPr lvl="0"/>
             <a:r>
-              <a:rPr lang="en-US"/>
+              <a:rPr lang="en-US" smtClean="0"/>
               <a:t>Click to edit Master text styles</a:t>
             </a:r>
           </a:p>
           <a:p>
             <a:pPr lvl="1"/>
             <a:r>
-              <a:rPr lang="en-US"/>
+              <a:rPr lang="en-US" smtClean="0"/>
               <a:t>Second level</a:t>
             </a:r>
           </a:p>
           <a:p>
             <a:pPr lvl="2"/>
             <a:r>
-              <a:rPr lang="en-US"/>
+              <a:rPr lang="en-US" smtClean="0"/>
               <a:t>Third level</a:t>
             </a:r>
           </a:p>
           <a:p>
             <a:pPr lvl="3"/>
             <a:r>
-              <a:rPr lang="en-US"/>
+              <a:rPr lang="en-US" smtClean="0"/>
               <a:t>Fourth level</a:t>
             </a:r>
           </a:p>
           <a:p>
             <a:pPr lvl="4"/>
             <a:r>
-              <a:rPr lang="en-US"/>
+              <a:rPr lang="en-US" smtClean="0"/>
               <a:t>Fifth level</a:t>
             </a:r>
-            <a:endParaRPr lang="en-IN"/>
-          </a:p>
-        </p:txBody>
-      </p:sp>
-      <p:sp>
-        <p:nvSpPr>
-          <p:cNvPr id="4" name="Date Placeholder 3">
-            <a:extLst>
-              <a:ext uri="{FF2B5EF4-FFF2-40B4-BE49-F238E27FC236}">
-                <a16:creationId xmlns:a16="http://schemas.microsoft.com/office/drawing/2014/main" id="{C5C2C59E-7B18-21D6-B290-5C034D47F719}"/>
-              </a:ext>
-            </a:extLst>
-          </p:cNvPr>
+            <a:endParaRPr lang="en-US"/>
+          </a:p>
+        </p:txBody>
+      </p:sp>
+      <p:sp>
+        <p:nvSpPr>
+          <p:cNvPr id="4" name="Date Placeholder 3"/>
           <p:cNvSpPr>
             <a:spLocks noGrp="1"/>
           </p:cNvSpPr>
@@ -467,13 +507,7 @@
       </p:sp>
       <p:sp>
         <p:nvSpPr>
-          <p:cNvPr id="5" name="Footer Placeholder 4">
-            <a:extLst>
-              <a:ext uri="{FF2B5EF4-FFF2-40B4-BE49-F238E27FC236}">
-                <a16:creationId xmlns:a16="http://schemas.microsoft.com/office/drawing/2014/main" id="{F3E44977-EA6E-0B9A-6D50-D1668DADCDE8}"/>
-              </a:ext>
-            </a:extLst>
-          </p:cNvPr>
+          <p:cNvPr id="5" name="Footer Placeholder 4"/>
           <p:cNvSpPr>
             <a:spLocks noGrp="1"/>
           </p:cNvSpPr>
@@ -492,13 +526,7 @@
       </p:sp>
       <p:sp>
         <p:nvSpPr>
-          <p:cNvPr id="6" name="Slide Number Placeholder 5">
-            <a:extLst>
-              <a:ext uri="{FF2B5EF4-FFF2-40B4-BE49-F238E27FC236}">
-                <a16:creationId xmlns:a16="http://schemas.microsoft.com/office/drawing/2014/main" id="{C16A88E7-F5EC-9328-2C6A-8657456D9E07}"/>
-              </a:ext>
-            </a:extLst>
-          </p:cNvPr>
+          <p:cNvPr id="6" name="Slide Number Placeholder 5"/>
           <p:cNvSpPr>
             <a:spLocks noGrp="1"/>
           </p:cNvSpPr>
@@ -520,11 +548,6 @@
         </p:txBody>
       </p:sp>
     </p:spTree>
-    <p:extLst>
-      <p:ext uri="{BB962C8B-B14F-4D97-AF65-F5344CB8AC3E}">
-        <p14:creationId xmlns:p14="http://schemas.microsoft.com/office/powerpoint/2010/main" val="1223906202"/>
-      </p:ext>
-    </p:extLst>
   </p:cSld>
   <p:clrMapOvr>
     <a:masterClrMapping/>
@@ -551,13 +574,7 @@
       </p:grpSpPr>
       <p:sp>
         <p:nvSpPr>
-          <p:cNvPr id="2" name="Vertical Title 1">
-            <a:extLst>
-              <a:ext uri="{FF2B5EF4-FFF2-40B4-BE49-F238E27FC236}">
-                <a16:creationId xmlns:a16="http://schemas.microsoft.com/office/drawing/2014/main" id="{F3E64B05-F131-39FD-4D8C-6613B3C56F42}"/>
-              </a:ext>
-            </a:extLst>
-          </p:cNvPr>
+          <p:cNvPr id="2" name="Vertical Title 1"/>
           <p:cNvSpPr>
             <a:spLocks noGrp="1"/>
           </p:cNvSpPr>
@@ -567,94 +584,82 @@
         </p:nvSpPr>
         <p:spPr>
           <a:xfrm>
-            <a:off x="8724900" y="365125"/>
-            <a:ext cx="2628900" cy="5811838"/>
+            <a:off x="8839200" y="609600"/>
+            <a:ext cx="2743200" cy="5867400"/>
+          </a:xfrm>
+        </p:spPr>
+        <p:txBody>
+          <a:bodyPr vert="eaVert" anchor="b"/>
+          <a:lstStyle/>
+          <a:p>
+            <a:r>
+              <a:rPr lang="en-US" smtClean="0"/>
+              <a:t>Click to edit Master title style</a:t>
+            </a:r>
+            <a:endParaRPr lang="en-US" dirty="0"/>
+          </a:p>
+        </p:txBody>
+      </p:sp>
+      <p:sp>
+        <p:nvSpPr>
+          <p:cNvPr id="3" name="Vertical Text Placeholder 2"/>
+          <p:cNvSpPr>
+            <a:spLocks noGrp="1"/>
+          </p:cNvSpPr>
+          <p:nvPr>
+            <p:ph type="body" orient="vert" idx="1"/>
+          </p:nvPr>
+        </p:nvSpPr>
+        <p:spPr>
+          <a:xfrm>
+            <a:off x="609600" y="609600"/>
+            <a:ext cx="8026400" cy="5867400"/>
           </a:xfrm>
         </p:spPr>
         <p:txBody>
           <a:bodyPr vert="eaVert"/>
           <a:lstStyle/>
           <a:p>
-            <a:r>
-              <a:rPr lang="en-US"/>
-              <a:t>Click to edit Master title style</a:t>
-            </a:r>
-            <a:endParaRPr lang="en-IN"/>
-          </a:p>
-        </p:txBody>
-      </p:sp>
-      <p:sp>
-        <p:nvSpPr>
-          <p:cNvPr id="3" name="Vertical Text Placeholder 2">
-            <a:extLst>
-              <a:ext uri="{FF2B5EF4-FFF2-40B4-BE49-F238E27FC236}">
-                <a16:creationId xmlns:a16="http://schemas.microsoft.com/office/drawing/2014/main" id="{E9724C17-3ED5-AC55-6E64-B0FC3A29C3E9}"/>
-              </a:ext>
-            </a:extLst>
-          </p:cNvPr>
-          <p:cNvSpPr>
-            <a:spLocks noGrp="1"/>
-          </p:cNvSpPr>
-          <p:nvPr>
-            <p:ph type="body" orient="vert" idx="1"/>
-          </p:nvPr>
-        </p:nvSpPr>
-        <p:spPr>
-          <a:xfrm>
-            <a:off x="838200" y="365125"/>
-            <a:ext cx="7734300" cy="5811838"/>
-          </a:xfrm>
-        </p:spPr>
-        <p:txBody>
-          <a:bodyPr vert="eaVert"/>
-          <a:lstStyle/>
-          <a:p>
             <a:pPr lvl="0"/>
             <a:r>
-              <a:rPr lang="en-US"/>
+              <a:rPr lang="en-US" smtClean="0"/>
               <a:t>Click to edit Master text styles</a:t>
             </a:r>
           </a:p>
           <a:p>
             <a:pPr lvl="1"/>
             <a:r>
-              <a:rPr lang="en-US"/>
+              <a:rPr lang="en-US" smtClean="0"/>
               <a:t>Second level</a:t>
             </a:r>
           </a:p>
           <a:p>
             <a:pPr lvl="2"/>
             <a:r>
-              <a:rPr lang="en-US"/>
+              <a:rPr lang="en-US" smtClean="0"/>
               <a:t>Third level</a:t>
             </a:r>
           </a:p>
           <a:p>
             <a:pPr lvl="3"/>
             <a:r>
-              <a:rPr lang="en-US"/>
+              <a:rPr lang="en-US" smtClean="0"/>
               <a:t>Fourth level</a:t>
             </a:r>
           </a:p>
           <a:p>
             <a:pPr lvl="4"/>
             <a:r>
-              <a:rPr lang="en-US"/>
+              <a:rPr lang="en-US" smtClean="0"/>
               <a:t>Fifth level</a:t>
             </a:r>
-            <a:endParaRPr lang="en-IN"/>
-          </a:p>
-        </p:txBody>
-      </p:sp>
-      <p:sp>
-        <p:nvSpPr>
-          <p:cNvPr id="4" name="Date Placeholder 3">
-            <a:extLst>
-              <a:ext uri="{FF2B5EF4-FFF2-40B4-BE49-F238E27FC236}">
-                <a16:creationId xmlns:a16="http://schemas.microsoft.com/office/drawing/2014/main" id="{09BF235C-F287-C16A-5ADF-DA52D975DEE4}"/>
-              </a:ext>
-            </a:extLst>
-          </p:cNvPr>
+            <a:endParaRPr lang="en-US" dirty="0"/>
+          </a:p>
+        </p:txBody>
+      </p:sp>
+      <p:sp>
+        <p:nvSpPr>
+          <p:cNvPr id="4" name="Date Placeholder 3"/>
           <p:cNvSpPr>
             <a:spLocks noGrp="1"/>
           </p:cNvSpPr>
@@ -677,13 +682,7 @@
       </p:sp>
       <p:sp>
         <p:nvSpPr>
-          <p:cNvPr id="5" name="Footer Placeholder 4">
-            <a:extLst>
-              <a:ext uri="{FF2B5EF4-FFF2-40B4-BE49-F238E27FC236}">
-                <a16:creationId xmlns:a16="http://schemas.microsoft.com/office/drawing/2014/main" id="{63E7249F-B18F-B180-57FA-093CF865D9F2}"/>
-              </a:ext>
-            </a:extLst>
-          </p:cNvPr>
+          <p:cNvPr id="5" name="Footer Placeholder 4"/>
           <p:cNvSpPr>
             <a:spLocks noGrp="1"/>
           </p:cNvSpPr>
@@ -702,13 +701,7 @@
       </p:sp>
       <p:sp>
         <p:nvSpPr>
-          <p:cNvPr id="6" name="Slide Number Placeholder 5">
-            <a:extLst>
-              <a:ext uri="{FF2B5EF4-FFF2-40B4-BE49-F238E27FC236}">
-                <a16:creationId xmlns:a16="http://schemas.microsoft.com/office/drawing/2014/main" id="{D5F6B40F-9EB9-205C-CF73-987C950F57DD}"/>
-              </a:ext>
-            </a:extLst>
-          </p:cNvPr>
+          <p:cNvPr id="6" name="Slide Number Placeholder 5"/>
           <p:cNvSpPr>
             <a:spLocks noGrp="1"/>
           </p:cNvSpPr>
@@ -730,11 +723,6 @@
         </p:txBody>
       </p:sp>
     </p:spTree>
-    <p:extLst>
-      <p:ext uri="{BB962C8B-B14F-4D97-AF65-F5344CB8AC3E}">
-        <p14:creationId xmlns:p14="http://schemas.microsoft.com/office/powerpoint/2010/main" val="2723754524"/>
-      </p:ext>
-    </p:extLst>
   </p:cSld>
   <p:clrMapOvr>
     <a:masterClrMapping/>
@@ -761,13 +749,7 @@
       </p:grpSpPr>
       <p:sp>
         <p:nvSpPr>
-          <p:cNvPr id="2" name="Title 1">
-            <a:extLst>
-              <a:ext uri="{FF2B5EF4-FFF2-40B4-BE49-F238E27FC236}">
-                <a16:creationId xmlns:a16="http://schemas.microsoft.com/office/drawing/2014/main" id="{19AE18BF-1F2D-BEF4-2387-43AD30C9239A}"/>
-              </a:ext>
-            </a:extLst>
-          </p:cNvPr>
+          <p:cNvPr id="2" name="Title 1"/>
           <p:cNvSpPr>
             <a:spLocks noGrp="1"/>
           </p:cNvSpPr>
@@ -781,22 +763,16 @@
           <a:lstStyle/>
           <a:p>
             <a:r>
-              <a:rPr lang="en-US"/>
+              <a:rPr lang="en-US" smtClean="0"/>
               <a:t>Click to edit Master title style</a:t>
             </a:r>
-            <a:endParaRPr lang="en-IN"/>
-          </a:p>
-        </p:txBody>
-      </p:sp>
-      <p:sp>
-        <p:nvSpPr>
-          <p:cNvPr id="3" name="Content Placeholder 2">
-            <a:extLst>
-              <a:ext uri="{FF2B5EF4-FFF2-40B4-BE49-F238E27FC236}">
-                <a16:creationId xmlns:a16="http://schemas.microsoft.com/office/drawing/2014/main" id="{549D801A-A175-E986-4015-94E6A6995B46}"/>
-              </a:ext>
-            </a:extLst>
-          </p:cNvPr>
+            <a:endParaRPr lang="en-US"/>
+          </a:p>
+        </p:txBody>
+      </p:sp>
+      <p:sp>
+        <p:nvSpPr>
+          <p:cNvPr id="3" name="Content Placeholder 2"/>
           <p:cNvSpPr>
             <a:spLocks noGrp="1"/>
           </p:cNvSpPr>
@@ -811,50 +787,44 @@
           <a:p>
             <a:pPr lvl="0"/>
             <a:r>
-              <a:rPr lang="en-US"/>
+              <a:rPr lang="en-US" smtClean="0"/>
               <a:t>Click to edit Master text styles</a:t>
             </a:r>
           </a:p>
           <a:p>
             <a:pPr lvl="1"/>
             <a:r>
-              <a:rPr lang="en-US"/>
+              <a:rPr lang="en-US" smtClean="0"/>
               <a:t>Second level</a:t>
             </a:r>
           </a:p>
           <a:p>
             <a:pPr lvl="2"/>
             <a:r>
-              <a:rPr lang="en-US"/>
+              <a:rPr lang="en-US" smtClean="0"/>
               <a:t>Third level</a:t>
             </a:r>
           </a:p>
           <a:p>
             <a:pPr lvl="3"/>
             <a:r>
-              <a:rPr lang="en-US"/>
+              <a:rPr lang="en-US" smtClean="0"/>
               <a:t>Fourth level</a:t>
             </a:r>
           </a:p>
           <a:p>
             <a:pPr lvl="4"/>
             <a:r>
-              <a:rPr lang="en-US"/>
+              <a:rPr lang="en-US" smtClean="0"/>
               <a:t>Fifth level</a:t>
             </a:r>
-            <a:endParaRPr lang="en-IN"/>
-          </a:p>
-        </p:txBody>
-      </p:sp>
-      <p:sp>
-        <p:nvSpPr>
-          <p:cNvPr id="4" name="Date Placeholder 3">
-            <a:extLst>
-              <a:ext uri="{FF2B5EF4-FFF2-40B4-BE49-F238E27FC236}">
-                <a16:creationId xmlns:a16="http://schemas.microsoft.com/office/drawing/2014/main" id="{56CBC767-EB59-BA03-1041-ECABEFD7A3F8}"/>
-              </a:ext>
-            </a:extLst>
-          </p:cNvPr>
+            <a:endParaRPr lang="en-US"/>
+          </a:p>
+        </p:txBody>
+      </p:sp>
+      <p:sp>
+        <p:nvSpPr>
+          <p:cNvPr id="4" name="Date Placeholder 3"/>
           <p:cNvSpPr>
             <a:spLocks noGrp="1"/>
           </p:cNvSpPr>
@@ -877,13 +847,7 @@
       </p:sp>
       <p:sp>
         <p:nvSpPr>
-          <p:cNvPr id="5" name="Footer Placeholder 4">
-            <a:extLst>
-              <a:ext uri="{FF2B5EF4-FFF2-40B4-BE49-F238E27FC236}">
-                <a16:creationId xmlns:a16="http://schemas.microsoft.com/office/drawing/2014/main" id="{1A7E9322-781A-08CB-E511-60195AC2CA75}"/>
-              </a:ext>
-            </a:extLst>
-          </p:cNvPr>
+          <p:cNvPr id="5" name="Footer Placeholder 4"/>
           <p:cNvSpPr>
             <a:spLocks noGrp="1"/>
           </p:cNvSpPr>
@@ -902,13 +866,7 @@
       </p:sp>
       <p:sp>
         <p:nvSpPr>
-          <p:cNvPr id="6" name="Slide Number Placeholder 5">
-            <a:extLst>
-              <a:ext uri="{FF2B5EF4-FFF2-40B4-BE49-F238E27FC236}">
-                <a16:creationId xmlns:a16="http://schemas.microsoft.com/office/drawing/2014/main" id="{90AEA45E-AC64-311C-B54C-42B1C726451A}"/>
-              </a:ext>
-            </a:extLst>
-          </p:cNvPr>
+          <p:cNvPr id="6" name="Slide Number Placeholder 5"/>
           <p:cNvSpPr>
             <a:spLocks noGrp="1"/>
           </p:cNvSpPr>
@@ -930,11 +888,6 @@
         </p:txBody>
       </p:sp>
     </p:spTree>
-    <p:extLst>
-      <p:ext uri="{BB962C8B-B14F-4D97-AF65-F5344CB8AC3E}">
-        <p14:creationId xmlns:p14="http://schemas.microsoft.com/office/powerpoint/2010/main" val="1315075824"/>
-      </p:ext>
-    </p:extLst>
   </p:cSld>
   <p:clrMapOvr>
     <a:masterClrMapping/>
@@ -945,6 +898,11 @@
 <file path=ppt/slideLayouts/slideLayout3.xml><?xml version="1.0" encoding="utf-8"?>
 <p:sldLayout xmlns:a="http://schemas.openxmlformats.org/drawingml/2006/main" xmlns:r="http://schemas.openxmlformats.org/officeDocument/2006/relationships" xmlns:p="http://schemas.openxmlformats.org/presentationml/2006/main" type="secHead" preserve="1">
   <p:cSld name="Section Header">
+    <p:bg>
+      <p:bgRef idx="1001">
+        <a:schemeClr val="bg2"/>
+      </p:bgRef>
+    </p:bg>
     <p:spTree>
       <p:nvGrpSpPr>
         <p:cNvPr id="1" name=""/>
@@ -961,13 +919,7 @@
       </p:grpSpPr>
       <p:sp>
         <p:nvSpPr>
-          <p:cNvPr id="2" name="Title 1">
-            <a:extLst>
-              <a:ext uri="{FF2B5EF4-FFF2-40B4-BE49-F238E27FC236}">
-                <a16:creationId xmlns:a16="http://schemas.microsoft.com/office/drawing/2014/main" id="{52A261E2-3BFA-449A-9F7F-B285871778DF}"/>
-              </a:ext>
-            </a:extLst>
-          </p:cNvPr>
+          <p:cNvPr id="2" name="Title 1"/>
           <p:cNvSpPr>
             <a:spLocks noGrp="1"/>
           </p:cNvSpPr>
@@ -977,35 +929,31 @@
         </p:nvSpPr>
         <p:spPr>
           <a:xfrm>
-            <a:off x="831850" y="1709738"/>
-            <a:ext cx="10515600" cy="2852737"/>
-          </a:xfrm>
-        </p:spPr>
-        <p:txBody>
-          <a:bodyPr anchor="b"/>
+            <a:off x="963084" y="2362201"/>
+            <a:ext cx="10363200" cy="2200275"/>
+          </a:xfrm>
+        </p:spPr>
+        <p:txBody>
+          <a:bodyPr anchor="b">
+            <a:normAutofit/>
+          </a:bodyPr>
           <a:lstStyle>
-            <a:lvl1pPr>
-              <a:defRPr sz="6000"/>
+            <a:lvl1pPr algn="l">
+              <a:defRPr sz="4800" b="0" cap="all"/>
             </a:lvl1pPr>
           </a:lstStyle>
           <a:p>
             <a:r>
-              <a:rPr lang="en-US"/>
+              <a:rPr lang="en-US" smtClean="0"/>
               <a:t>Click to edit Master title style</a:t>
             </a:r>
-            <a:endParaRPr lang="en-IN"/>
-          </a:p>
-        </p:txBody>
-      </p:sp>
-      <p:sp>
-        <p:nvSpPr>
-          <p:cNvPr id="3" name="Text Placeholder 2">
-            <a:extLst>
-              <a:ext uri="{FF2B5EF4-FFF2-40B4-BE49-F238E27FC236}">
-                <a16:creationId xmlns:a16="http://schemas.microsoft.com/office/drawing/2014/main" id="{7D06A056-028E-EB3E-FA04-EA3D5C25F306}"/>
-              </a:ext>
-            </a:extLst>
-          </p:cNvPr>
+            <a:endParaRPr lang="en-US" dirty="0"/>
+          </a:p>
+        </p:txBody>
+      </p:sp>
+      <p:sp>
+        <p:nvSpPr>
+          <p:cNvPr id="3" name="Text Placeholder 2"/>
           <p:cNvSpPr>
             <a:spLocks noGrp="1"/>
           </p:cNvSpPr>
@@ -1015,26 +963,26 @@
         </p:nvSpPr>
         <p:spPr>
           <a:xfrm>
-            <a:off x="831850" y="4589463"/>
-            <a:ext cx="10515600" cy="1500187"/>
-          </a:xfrm>
-        </p:spPr>
-        <p:txBody>
-          <a:bodyPr/>
+            <a:off x="963084" y="4626865"/>
+            <a:ext cx="10363200" cy="1500187"/>
+          </a:xfrm>
+        </p:spPr>
+        <p:txBody>
+          <a:bodyPr anchor="t">
+            <a:normAutofit/>
+          </a:bodyPr>
           <a:lstStyle>
             <a:lvl1pPr marL="0" indent="0">
               <a:buNone/>
               <a:defRPr sz="2400">
                 <a:solidFill>
-                  <a:schemeClr val="tx1">
-                    <a:tint val="75000"/>
-                  </a:schemeClr>
+                  <a:schemeClr val="tx2"/>
                 </a:solidFill>
               </a:defRPr>
             </a:lvl1pPr>
             <a:lvl2pPr marL="457200" indent="0">
               <a:buNone/>
-              <a:defRPr sz="2000">
+              <a:defRPr sz="1800">
                 <a:solidFill>
                   <a:schemeClr val="tx1">
                     <a:tint val="75000"/>
@@ -1044,7 +992,7 @@
             </a:lvl2pPr>
             <a:lvl3pPr marL="914400" indent="0">
               <a:buNone/>
-              <a:defRPr sz="1800">
+              <a:defRPr sz="1600">
                 <a:solidFill>
                   <a:schemeClr val="tx1">
                     <a:tint val="75000"/>
@@ -1054,7 +1002,7 @@
             </a:lvl3pPr>
             <a:lvl4pPr marL="1371600" indent="0">
               <a:buNone/>
-              <a:defRPr sz="1600">
+              <a:defRPr sz="1400">
                 <a:solidFill>
                   <a:schemeClr val="tx1">
                     <a:tint val="75000"/>
@@ -1064,7 +1012,7 @@
             </a:lvl4pPr>
             <a:lvl5pPr marL="1828800" indent="0">
               <a:buNone/>
-              <a:defRPr sz="1600">
+              <a:defRPr sz="1400">
                 <a:solidFill>
                   <a:schemeClr val="tx1">
                     <a:tint val="75000"/>
@@ -1074,7 +1022,7 @@
             </a:lvl5pPr>
             <a:lvl6pPr marL="2286000" indent="0">
               <a:buNone/>
-              <a:defRPr sz="1600">
+              <a:defRPr sz="1400">
                 <a:solidFill>
                   <a:schemeClr val="tx1">
                     <a:tint val="75000"/>
@@ -1084,7 +1032,7 @@
             </a:lvl6pPr>
             <a:lvl7pPr marL="2743200" indent="0">
               <a:buNone/>
-              <a:defRPr sz="1600">
+              <a:defRPr sz="1400">
                 <a:solidFill>
                   <a:schemeClr val="tx1">
                     <a:tint val="75000"/>
@@ -1094,7 +1042,7 @@
             </a:lvl7pPr>
             <a:lvl8pPr marL="3200400" indent="0">
               <a:buNone/>
-              <a:defRPr sz="1600">
+              <a:defRPr sz="1400">
                 <a:solidFill>
                   <a:schemeClr val="tx1">
                     <a:tint val="75000"/>
@@ -1104,7 +1052,7 @@
             </a:lvl8pPr>
             <a:lvl9pPr marL="3657600" indent="0">
               <a:buNone/>
-              <a:defRPr sz="1600">
+              <a:defRPr sz="1400">
                 <a:solidFill>
                   <a:schemeClr val="tx1">
                     <a:tint val="75000"/>
@@ -1116,7 +1064,7 @@
           <a:p>
             <a:pPr lvl="0"/>
             <a:r>
-              <a:rPr lang="en-US"/>
+              <a:rPr lang="en-US" smtClean="0"/>
               <a:t>Click to edit Master text styles</a:t>
             </a:r>
           </a:p>
@@ -1124,13 +1072,7 @@
       </p:sp>
       <p:sp>
         <p:nvSpPr>
-          <p:cNvPr id="4" name="Date Placeholder 3">
-            <a:extLst>
-              <a:ext uri="{FF2B5EF4-FFF2-40B4-BE49-F238E27FC236}">
-                <a16:creationId xmlns:a16="http://schemas.microsoft.com/office/drawing/2014/main" id="{5B231256-BAD3-EC3C-2A3C-842C2050C868}"/>
-              </a:ext>
-            </a:extLst>
-          </p:cNvPr>
+          <p:cNvPr id="4" name="Date Placeholder 3"/>
           <p:cNvSpPr>
             <a:spLocks noGrp="1"/>
           </p:cNvSpPr>
@@ -1153,13 +1095,7 @@
       </p:sp>
       <p:sp>
         <p:nvSpPr>
-          <p:cNvPr id="5" name="Footer Placeholder 4">
-            <a:extLst>
-              <a:ext uri="{FF2B5EF4-FFF2-40B4-BE49-F238E27FC236}">
-                <a16:creationId xmlns:a16="http://schemas.microsoft.com/office/drawing/2014/main" id="{269D545B-E206-031D-ACAD-4CCEFB85E584}"/>
-              </a:ext>
-            </a:extLst>
-          </p:cNvPr>
+          <p:cNvPr id="5" name="Footer Placeholder 4"/>
           <p:cNvSpPr>
             <a:spLocks noGrp="1"/>
           </p:cNvSpPr>
@@ -1178,13 +1114,7 @@
       </p:sp>
       <p:sp>
         <p:nvSpPr>
-          <p:cNvPr id="6" name="Slide Number Placeholder 5">
-            <a:extLst>
-              <a:ext uri="{FF2B5EF4-FFF2-40B4-BE49-F238E27FC236}">
-                <a16:creationId xmlns:a16="http://schemas.microsoft.com/office/drawing/2014/main" id="{3062A4B2-8A31-7D43-2C90-D3EBEAE56996}"/>
-              </a:ext>
-            </a:extLst>
-          </p:cNvPr>
+          <p:cNvPr id="6" name="Slide Number Placeholder 5"/>
           <p:cNvSpPr>
             <a:spLocks noGrp="1"/>
           </p:cNvSpPr>
@@ -1205,15 +1135,45 @@
           </a:p>
         </p:txBody>
       </p:sp>
+      <p:cxnSp>
+        <p:nvCxnSpPr>
+          <p:cNvPr id="7" name="Straight Connector 6"/>
+          <p:cNvCxnSpPr/>
+          <p:nvPr/>
+        </p:nvCxnSpPr>
+        <p:spPr>
+          <a:xfrm>
+            <a:off x="975360" y="4599432"/>
+            <a:ext cx="10464800" cy="1588"/>
+          </a:xfrm>
+          <a:prstGeom prst="line">
+            <a:avLst/>
+          </a:prstGeom>
+          <a:ln w="19050">
+            <a:solidFill>
+              <a:schemeClr val="tx2"/>
+            </a:solidFill>
+          </a:ln>
+        </p:spPr>
+        <p:style>
+          <a:lnRef idx="1">
+            <a:schemeClr val="accent1"/>
+          </a:lnRef>
+          <a:fillRef idx="0">
+            <a:schemeClr val="accent1"/>
+          </a:fillRef>
+          <a:effectRef idx="0">
+            <a:schemeClr val="accent1"/>
+          </a:effectRef>
+          <a:fontRef idx="minor">
+            <a:schemeClr val="tx1"/>
+          </a:fontRef>
+        </p:style>
+      </p:cxnSp>
     </p:spTree>
-    <p:extLst>
-      <p:ext uri="{BB962C8B-B14F-4D97-AF65-F5344CB8AC3E}">
-        <p14:creationId xmlns:p14="http://schemas.microsoft.com/office/powerpoint/2010/main" val="2332524286"/>
-      </p:ext>
-    </p:extLst>
   </p:cSld>
   <p:clrMapOvr>
-    <a:masterClrMapping/>
+    <a:overrideClrMapping bg1="dk1" tx1="lt1" bg2="dk2" tx2="lt2" accent1="accent1" accent2="accent2" accent3="accent3" accent4="accent4" accent5="accent5" accent6="accent6" hlink="hlink" folHlink="folHlink"/>
   </p:clrMapOvr>
 </p:sldLayout>
 </file>
@@ -1237,13 +1197,7 @@
       </p:grpSpPr>
       <p:sp>
         <p:nvSpPr>
-          <p:cNvPr id="2" name="Title 1">
-            <a:extLst>
-              <a:ext uri="{FF2B5EF4-FFF2-40B4-BE49-F238E27FC236}">
-                <a16:creationId xmlns:a16="http://schemas.microsoft.com/office/drawing/2014/main" id="{1760E95C-A1AF-BF7D-E4D5-1E79D280A638}"/>
-              </a:ext>
-            </a:extLst>
-          </p:cNvPr>
+          <p:cNvPr id="2" name="Title 1"/>
           <p:cNvSpPr>
             <a:spLocks noGrp="1"/>
           </p:cNvSpPr>
@@ -1257,22 +1211,16 @@
           <a:lstStyle/>
           <a:p>
             <a:r>
-              <a:rPr lang="en-US"/>
+              <a:rPr lang="en-US" smtClean="0"/>
               <a:t>Click to edit Master title style</a:t>
             </a:r>
-            <a:endParaRPr lang="en-IN"/>
-          </a:p>
-        </p:txBody>
-      </p:sp>
-      <p:sp>
-        <p:nvSpPr>
-          <p:cNvPr id="3" name="Content Placeholder 2">
-            <a:extLst>
-              <a:ext uri="{FF2B5EF4-FFF2-40B4-BE49-F238E27FC236}">
-                <a16:creationId xmlns:a16="http://schemas.microsoft.com/office/drawing/2014/main" id="{0B6CAD17-94EE-5557-6767-01D35BF2F30D}"/>
-              </a:ext>
-            </a:extLst>
-          </p:cNvPr>
+            <a:endParaRPr lang="en-US"/>
+          </a:p>
+        </p:txBody>
+      </p:sp>
+      <p:sp>
+        <p:nvSpPr>
+          <p:cNvPr id="3" name="Content Placeholder 2"/>
           <p:cNvSpPr>
             <a:spLocks noGrp="1"/>
           </p:cNvSpPr>
@@ -1282,60 +1230,82 @@
         </p:nvSpPr>
         <p:spPr>
           <a:xfrm>
-            <a:off x="838200" y="1825625"/>
-            <a:ext cx="5181600" cy="4351338"/>
+            <a:off x="609600" y="1673352"/>
+            <a:ext cx="5384800" cy="4718304"/>
           </a:xfrm>
         </p:spPr>
         <p:txBody>
           <a:bodyPr/>
-          <a:lstStyle/>
+          <a:lstStyle>
+            <a:lvl1pPr>
+              <a:defRPr sz="2800"/>
+            </a:lvl1pPr>
+            <a:lvl2pPr>
+              <a:defRPr sz="2400"/>
+            </a:lvl2pPr>
+            <a:lvl3pPr>
+              <a:defRPr sz="2000"/>
+            </a:lvl3pPr>
+            <a:lvl4pPr>
+              <a:defRPr sz="1800"/>
+            </a:lvl4pPr>
+            <a:lvl5pPr>
+              <a:defRPr sz="1800"/>
+            </a:lvl5pPr>
+            <a:lvl6pPr>
+              <a:defRPr sz="1800"/>
+            </a:lvl6pPr>
+            <a:lvl7pPr>
+              <a:defRPr sz="1800"/>
+            </a:lvl7pPr>
+            <a:lvl8pPr>
+              <a:defRPr sz="1800"/>
+            </a:lvl8pPr>
+            <a:lvl9pPr>
+              <a:defRPr sz="1800"/>
+            </a:lvl9pPr>
+          </a:lstStyle>
           <a:p>
             <a:pPr lvl="0"/>
             <a:r>
-              <a:rPr lang="en-US"/>
+              <a:rPr lang="en-US" smtClean="0"/>
               <a:t>Click to edit Master text styles</a:t>
             </a:r>
           </a:p>
           <a:p>
             <a:pPr lvl="1"/>
             <a:r>
-              <a:rPr lang="en-US"/>
+              <a:rPr lang="en-US" smtClean="0"/>
               <a:t>Second level</a:t>
             </a:r>
           </a:p>
           <a:p>
             <a:pPr lvl="2"/>
             <a:r>
-              <a:rPr lang="en-US"/>
+              <a:rPr lang="en-US" smtClean="0"/>
               <a:t>Third level</a:t>
             </a:r>
           </a:p>
           <a:p>
             <a:pPr lvl="3"/>
             <a:r>
-              <a:rPr lang="en-US"/>
+              <a:rPr lang="en-US" smtClean="0"/>
               <a:t>Fourth level</a:t>
             </a:r>
           </a:p>
           <a:p>
             <a:pPr lvl="4"/>
             <a:r>
-              <a:rPr lang="en-US"/>
+              <a:rPr lang="en-US" smtClean="0"/>
               <a:t>Fifth level</a:t>
             </a:r>
-            <a:endParaRPr lang="en-IN"/>
-          </a:p>
-        </p:txBody>
-      </p:sp>
-      <p:sp>
-        <p:nvSpPr>
-          <p:cNvPr id="4" name="Content Placeholder 3">
-            <a:extLst>
-              <a:ext uri="{FF2B5EF4-FFF2-40B4-BE49-F238E27FC236}">
-                <a16:creationId xmlns:a16="http://schemas.microsoft.com/office/drawing/2014/main" id="{E335CDAC-8B48-DAF6-0A10-F65BCB75EDF3}"/>
-              </a:ext>
-            </a:extLst>
-          </p:cNvPr>
+            <a:endParaRPr lang="en-US" dirty="0"/>
+          </a:p>
+        </p:txBody>
+      </p:sp>
+      <p:sp>
+        <p:nvSpPr>
+          <p:cNvPr id="4" name="Content Placeholder 3"/>
           <p:cNvSpPr>
             <a:spLocks noGrp="1"/>
           </p:cNvSpPr>
@@ -1345,60 +1315,82 @@
         </p:nvSpPr>
         <p:spPr>
           <a:xfrm>
-            <a:off x="6172200" y="1825625"/>
-            <a:ext cx="5181600" cy="4351338"/>
+            <a:off x="6197600" y="1673352"/>
+            <a:ext cx="5384800" cy="4718304"/>
           </a:xfrm>
         </p:spPr>
         <p:txBody>
           <a:bodyPr/>
-          <a:lstStyle/>
+          <a:lstStyle>
+            <a:lvl1pPr>
+              <a:defRPr sz="2800"/>
+            </a:lvl1pPr>
+            <a:lvl2pPr>
+              <a:defRPr sz="2400"/>
+            </a:lvl2pPr>
+            <a:lvl3pPr>
+              <a:defRPr sz="2000"/>
+            </a:lvl3pPr>
+            <a:lvl4pPr>
+              <a:defRPr sz="1800"/>
+            </a:lvl4pPr>
+            <a:lvl5pPr>
+              <a:defRPr sz="1800"/>
+            </a:lvl5pPr>
+            <a:lvl6pPr>
+              <a:defRPr sz="1800"/>
+            </a:lvl6pPr>
+            <a:lvl7pPr>
+              <a:defRPr sz="1800"/>
+            </a:lvl7pPr>
+            <a:lvl8pPr>
+              <a:defRPr sz="1800"/>
+            </a:lvl8pPr>
+            <a:lvl9pPr>
+              <a:defRPr sz="1800"/>
+            </a:lvl9pPr>
+          </a:lstStyle>
           <a:p>
             <a:pPr lvl="0"/>
             <a:r>
-              <a:rPr lang="en-US"/>
+              <a:rPr lang="en-US" smtClean="0"/>
               <a:t>Click to edit Master text styles</a:t>
             </a:r>
           </a:p>
           <a:p>
             <a:pPr lvl="1"/>
             <a:r>
-              <a:rPr lang="en-US"/>
+              <a:rPr lang="en-US" smtClean="0"/>
               <a:t>Second level</a:t>
             </a:r>
           </a:p>
           <a:p>
             <a:pPr lvl="2"/>
             <a:r>
-              <a:rPr lang="en-US"/>
+              <a:rPr lang="en-US" smtClean="0"/>
               <a:t>Third level</a:t>
             </a:r>
           </a:p>
           <a:p>
             <a:pPr lvl="3"/>
             <a:r>
-              <a:rPr lang="en-US"/>
+              <a:rPr lang="en-US" smtClean="0"/>
               <a:t>Fourth level</a:t>
             </a:r>
           </a:p>
           <a:p>
             <a:pPr lvl="4"/>
             <a:r>
-              <a:rPr lang="en-US"/>
+              <a:rPr lang="en-US" smtClean="0"/>
               <a:t>Fifth level</a:t>
             </a:r>
-            <a:endParaRPr lang="en-IN"/>
-          </a:p>
-        </p:txBody>
-      </p:sp>
-      <p:sp>
-        <p:nvSpPr>
-          <p:cNvPr id="5" name="Date Placeholder 4">
-            <a:extLst>
-              <a:ext uri="{FF2B5EF4-FFF2-40B4-BE49-F238E27FC236}">
-                <a16:creationId xmlns:a16="http://schemas.microsoft.com/office/drawing/2014/main" id="{E00D329A-E44C-100B-F514-F1CCBEC9B22F}"/>
-              </a:ext>
-            </a:extLst>
-          </p:cNvPr>
+            <a:endParaRPr lang="en-US" dirty="0"/>
+          </a:p>
+        </p:txBody>
+      </p:sp>
+      <p:sp>
+        <p:nvSpPr>
+          <p:cNvPr id="5" name="Date Placeholder 4"/>
           <p:cNvSpPr>
             <a:spLocks noGrp="1"/>
           </p:cNvSpPr>
@@ -1421,13 +1413,7 @@
       </p:sp>
       <p:sp>
         <p:nvSpPr>
-          <p:cNvPr id="6" name="Footer Placeholder 5">
-            <a:extLst>
-              <a:ext uri="{FF2B5EF4-FFF2-40B4-BE49-F238E27FC236}">
-                <a16:creationId xmlns:a16="http://schemas.microsoft.com/office/drawing/2014/main" id="{2C3370DB-2B45-5FF3-658F-741F19E099A7}"/>
-              </a:ext>
-            </a:extLst>
-          </p:cNvPr>
+          <p:cNvPr id="6" name="Footer Placeholder 5"/>
           <p:cNvSpPr>
             <a:spLocks noGrp="1"/>
           </p:cNvSpPr>
@@ -1446,13 +1432,7 @@
       </p:sp>
       <p:sp>
         <p:nvSpPr>
-          <p:cNvPr id="7" name="Slide Number Placeholder 6">
-            <a:extLst>
-              <a:ext uri="{FF2B5EF4-FFF2-40B4-BE49-F238E27FC236}">
-                <a16:creationId xmlns:a16="http://schemas.microsoft.com/office/drawing/2014/main" id="{139C2CE4-131A-DF2E-9856-133E9BBCF13A}"/>
-              </a:ext>
-            </a:extLst>
-          </p:cNvPr>
+          <p:cNvPr id="7" name="Slide Number Placeholder 6"/>
           <p:cNvSpPr>
             <a:spLocks noGrp="1"/>
           </p:cNvSpPr>
@@ -1474,11 +1454,6 @@
         </p:txBody>
       </p:sp>
     </p:spTree>
-    <p:extLst>
-      <p:ext uri="{BB962C8B-B14F-4D97-AF65-F5344CB8AC3E}">
-        <p14:creationId xmlns:p14="http://schemas.microsoft.com/office/powerpoint/2010/main" val="2094002265"/>
-      </p:ext>
-    </p:extLst>
   </p:cSld>
   <p:clrMapOvr>
     <a:masterClrMapping/>
@@ -1505,13 +1480,7 @@
       </p:grpSpPr>
       <p:sp>
         <p:nvSpPr>
-          <p:cNvPr id="2" name="Title 1">
-            <a:extLst>
-              <a:ext uri="{FF2B5EF4-FFF2-40B4-BE49-F238E27FC236}">
-                <a16:creationId xmlns:a16="http://schemas.microsoft.com/office/drawing/2014/main" id="{3E954534-FE8F-DEE2-54F5-811B006176A4}"/>
-              </a:ext>
-            </a:extLst>
-          </p:cNvPr>
+          <p:cNvPr id="2" name="Title 1"/>
           <p:cNvSpPr>
             <a:spLocks noGrp="1"/>
           </p:cNvSpPr>
@@ -1519,33 +1488,26 @@
             <p:ph type="title"/>
           </p:nvPr>
         </p:nvSpPr>
-        <p:spPr>
-          <a:xfrm>
-            <a:off x="839788" y="365125"/>
-            <a:ext cx="10515600" cy="1325563"/>
-          </a:xfrm>
-        </p:spPr>
+        <p:spPr/>
         <p:txBody>
           <a:bodyPr/>
-          <a:lstStyle/>
-          <a:p>
-            <a:r>
-              <a:rPr lang="en-US"/>
+          <a:lstStyle>
+            <a:lvl1pPr>
+              <a:defRPr/>
+            </a:lvl1pPr>
+          </a:lstStyle>
+          <a:p>
+            <a:r>
+              <a:rPr lang="en-US" smtClean="0"/>
               <a:t>Click to edit Master title style</a:t>
             </a:r>
-            <a:endParaRPr lang="en-IN"/>
-          </a:p>
-        </p:txBody>
-      </p:sp>
-      <p:sp>
-        <p:nvSpPr>
-          <p:cNvPr id="3" name="Text Placeholder 2">
-            <a:extLst>
-              <a:ext uri="{FF2B5EF4-FFF2-40B4-BE49-F238E27FC236}">
-                <a16:creationId xmlns:a16="http://schemas.microsoft.com/office/drawing/2014/main" id="{716FC741-4AD6-49D7-0D59-1A07DEEE7FBB}"/>
-              </a:ext>
-            </a:extLst>
-          </p:cNvPr>
+            <a:endParaRPr lang="en-US" dirty="0"/>
+          </a:p>
+        </p:txBody>
+      </p:sp>
+      <p:sp>
+        <p:nvSpPr>
+          <p:cNvPr id="3" name="Text Placeholder 2"/>
           <p:cNvSpPr>
             <a:spLocks noGrp="1"/>
           </p:cNvSpPr>
@@ -1555,16 +1517,39 @@
         </p:nvSpPr>
         <p:spPr>
           <a:xfrm>
-            <a:off x="839788" y="1681163"/>
-            <a:ext cx="5157787" cy="823912"/>
-          </a:xfrm>
-        </p:spPr>
-        <p:txBody>
-          <a:bodyPr anchor="b"/>
+            <a:off x="609600" y="1676400"/>
+            <a:ext cx="5242560" cy="639762"/>
+          </a:xfrm>
+          <a:noFill/>
+          <a:ln>
+            <a:noFill/>
+          </a:ln>
+          <a:effectLst/>
+        </p:spPr>
+        <p:style>
+          <a:lnRef idx="3">
+            <a:schemeClr val="lt1"/>
+          </a:lnRef>
+          <a:fillRef idx="1">
+            <a:schemeClr val="accent2"/>
+          </a:fillRef>
+          <a:effectRef idx="1">
+            <a:schemeClr val="accent2"/>
+          </a:effectRef>
+          <a:fontRef idx="none"/>
+        </p:style>
+        <p:txBody>
+          <a:bodyPr anchor="ctr">
+            <a:normAutofit/>
+          </a:bodyPr>
           <a:lstStyle>
-            <a:lvl1pPr marL="0" indent="0">
-              <a:buNone/>
-              <a:defRPr sz="2400" b="1"/>
+            <a:lvl1pPr marL="0" indent="0" algn="ctr">
+              <a:buNone/>
+              <a:defRPr sz="2000" b="0">
+                <a:solidFill>
+                  <a:schemeClr val="tx2"/>
+                </a:solidFill>
+              </a:defRPr>
             </a:lvl1pPr>
             <a:lvl2pPr marL="457200" indent="0">
               <a:buNone/>
@@ -1602,7 +1587,7 @@
           <a:p>
             <a:pPr lvl="0"/>
             <a:r>
-              <a:rPr lang="en-US"/>
+              <a:rPr lang="en-US" smtClean="0"/>
               <a:t>Click to edit Master text styles</a:t>
             </a:r>
           </a:p>
@@ -1610,13 +1595,7 @@
       </p:sp>
       <p:sp>
         <p:nvSpPr>
-          <p:cNvPr id="4" name="Content Placeholder 3">
-            <a:extLst>
-              <a:ext uri="{FF2B5EF4-FFF2-40B4-BE49-F238E27FC236}">
-                <a16:creationId xmlns:a16="http://schemas.microsoft.com/office/drawing/2014/main" id="{CC38ED56-FF45-EE9A-11EB-F589CB8D65F0}"/>
-              </a:ext>
-            </a:extLst>
-          </p:cNvPr>
+          <p:cNvPr id="4" name="Content Placeholder 3"/>
           <p:cNvSpPr>
             <a:spLocks noGrp="1"/>
           </p:cNvSpPr>
@@ -1626,60 +1605,82 @@
         </p:nvSpPr>
         <p:spPr>
           <a:xfrm>
-            <a:off x="839788" y="2505075"/>
-            <a:ext cx="5157787" cy="3684588"/>
+            <a:off x="609600" y="2438400"/>
+            <a:ext cx="5242560" cy="3951288"/>
           </a:xfrm>
         </p:spPr>
         <p:txBody>
           <a:bodyPr/>
-          <a:lstStyle/>
+          <a:lstStyle>
+            <a:lvl1pPr>
+              <a:defRPr sz="2400"/>
+            </a:lvl1pPr>
+            <a:lvl2pPr>
+              <a:defRPr sz="2000"/>
+            </a:lvl2pPr>
+            <a:lvl3pPr>
+              <a:defRPr sz="1800"/>
+            </a:lvl3pPr>
+            <a:lvl4pPr>
+              <a:defRPr sz="1600"/>
+            </a:lvl4pPr>
+            <a:lvl5pPr>
+              <a:defRPr sz="1600"/>
+            </a:lvl5pPr>
+            <a:lvl6pPr>
+              <a:defRPr sz="1600"/>
+            </a:lvl6pPr>
+            <a:lvl7pPr>
+              <a:defRPr sz="1600"/>
+            </a:lvl7pPr>
+            <a:lvl8pPr>
+              <a:defRPr sz="1600"/>
+            </a:lvl8pPr>
+            <a:lvl9pPr>
+              <a:defRPr sz="1600"/>
+            </a:lvl9pPr>
+          </a:lstStyle>
           <a:p>
             <a:pPr lvl="0"/>
             <a:r>
-              <a:rPr lang="en-US"/>
+              <a:rPr lang="en-US" smtClean="0"/>
               <a:t>Click to edit Master text styles</a:t>
             </a:r>
           </a:p>
           <a:p>
             <a:pPr lvl="1"/>
             <a:r>
-              <a:rPr lang="en-US"/>
+              <a:rPr lang="en-US" smtClean="0"/>
               <a:t>Second level</a:t>
             </a:r>
           </a:p>
           <a:p>
             <a:pPr lvl="2"/>
             <a:r>
-              <a:rPr lang="en-US"/>
+              <a:rPr lang="en-US" smtClean="0"/>
               <a:t>Third level</a:t>
             </a:r>
           </a:p>
           <a:p>
             <a:pPr lvl="3"/>
             <a:r>
-              <a:rPr lang="en-US"/>
+              <a:rPr lang="en-US" smtClean="0"/>
               <a:t>Fourth level</a:t>
             </a:r>
           </a:p>
           <a:p>
             <a:pPr lvl="4"/>
             <a:r>
-              <a:rPr lang="en-US"/>
+              <a:rPr lang="en-US" smtClean="0"/>
               <a:t>Fifth level</a:t>
             </a:r>
-            <a:endParaRPr lang="en-IN"/>
-          </a:p>
-        </p:txBody>
-      </p:sp>
-      <p:sp>
-        <p:nvSpPr>
-          <p:cNvPr id="5" name="Text Placeholder 4">
-            <a:extLst>
-              <a:ext uri="{FF2B5EF4-FFF2-40B4-BE49-F238E27FC236}">
-                <a16:creationId xmlns:a16="http://schemas.microsoft.com/office/drawing/2014/main" id="{796F1BA9-73EE-4BF0-7130-967EE1CB2B3B}"/>
-              </a:ext>
-            </a:extLst>
-          </p:cNvPr>
+            <a:endParaRPr lang="en-US" dirty="0"/>
+          </a:p>
+        </p:txBody>
+      </p:sp>
+      <p:sp>
+        <p:nvSpPr>
+          <p:cNvPr id="5" name="Text Placeholder 4"/>
           <p:cNvSpPr>
             <a:spLocks noGrp="1"/>
           </p:cNvSpPr>
@@ -1689,16 +1690,42 @@
         </p:nvSpPr>
         <p:spPr>
           <a:xfrm>
-            <a:off x="6172200" y="1681163"/>
-            <a:ext cx="5183188" cy="823912"/>
-          </a:xfrm>
-        </p:spPr>
-        <p:txBody>
-          <a:bodyPr anchor="b"/>
+            <a:off x="6339840" y="1676400"/>
+            <a:ext cx="5242560" cy="639762"/>
+          </a:xfrm>
+          <a:noFill/>
+          <a:ln>
+            <a:noFill/>
+          </a:ln>
+          <a:effectLst/>
+        </p:spPr>
+        <p:style>
+          <a:lnRef idx="3">
+            <a:schemeClr val="lt1"/>
+          </a:lnRef>
+          <a:fillRef idx="1">
+            <a:schemeClr val="accent2"/>
+          </a:fillRef>
+          <a:effectRef idx="1">
+            <a:schemeClr val="accent2"/>
+          </a:effectRef>
+          <a:fontRef idx="none"/>
+        </p:style>
+        <p:txBody>
+          <a:bodyPr anchor="ctr">
+            <a:normAutofit/>
+          </a:bodyPr>
           <a:lstStyle>
-            <a:lvl1pPr marL="0" indent="0">
-              <a:buNone/>
-              <a:defRPr sz="2400" b="1"/>
+            <a:lvl1pPr marL="0" indent="0" algn="ctr">
+              <a:buNone/>
+              <a:defRPr lang="en-US" sz="2000" b="0" kern="1200" dirty="0" smtClean="0">
+                <a:solidFill>
+                  <a:schemeClr val="tx2"/>
+                </a:solidFill>
+                <a:latin typeface="+mn-lt"/>
+                <a:ea typeface="+mn-ea"/>
+                <a:cs typeface="+mn-cs"/>
+              </a:defRPr>
             </a:lvl1pPr>
             <a:lvl2pPr marL="457200" indent="0">
               <a:buNone/>
@@ -1736,7 +1763,7 @@
           <a:p>
             <a:pPr lvl="0"/>
             <a:r>
-              <a:rPr lang="en-US"/>
+              <a:rPr lang="en-US" smtClean="0"/>
               <a:t>Click to edit Master text styles</a:t>
             </a:r>
           </a:p>
@@ -1744,13 +1771,7 @@
       </p:sp>
       <p:sp>
         <p:nvSpPr>
-          <p:cNvPr id="6" name="Content Placeholder 5">
-            <a:extLst>
-              <a:ext uri="{FF2B5EF4-FFF2-40B4-BE49-F238E27FC236}">
-                <a16:creationId xmlns:a16="http://schemas.microsoft.com/office/drawing/2014/main" id="{F130F19E-32A1-368A-C4D1-F3C2FFF9E486}"/>
-              </a:ext>
-            </a:extLst>
-          </p:cNvPr>
+          <p:cNvPr id="6" name="Content Placeholder 5"/>
           <p:cNvSpPr>
             <a:spLocks noGrp="1"/>
           </p:cNvSpPr>
@@ -1760,60 +1781,82 @@
         </p:nvSpPr>
         <p:spPr>
           <a:xfrm>
-            <a:off x="6172200" y="2505075"/>
-            <a:ext cx="5183188" cy="3684588"/>
+            <a:off x="6339840" y="2438400"/>
+            <a:ext cx="5242560" cy="3951288"/>
           </a:xfrm>
         </p:spPr>
         <p:txBody>
           <a:bodyPr/>
-          <a:lstStyle/>
+          <a:lstStyle>
+            <a:lvl1pPr>
+              <a:defRPr sz="2400"/>
+            </a:lvl1pPr>
+            <a:lvl2pPr>
+              <a:defRPr sz="2000"/>
+            </a:lvl2pPr>
+            <a:lvl3pPr>
+              <a:defRPr sz="1800"/>
+            </a:lvl3pPr>
+            <a:lvl4pPr>
+              <a:defRPr sz="1600"/>
+            </a:lvl4pPr>
+            <a:lvl5pPr>
+              <a:defRPr sz="1600"/>
+            </a:lvl5pPr>
+            <a:lvl6pPr>
+              <a:defRPr sz="1600"/>
+            </a:lvl6pPr>
+            <a:lvl7pPr>
+              <a:defRPr sz="1600"/>
+            </a:lvl7pPr>
+            <a:lvl8pPr>
+              <a:defRPr sz="1600"/>
+            </a:lvl8pPr>
+            <a:lvl9pPr>
+              <a:defRPr sz="1600"/>
+            </a:lvl9pPr>
+          </a:lstStyle>
           <a:p>
             <a:pPr lvl="0"/>
             <a:r>
-              <a:rPr lang="en-US"/>
+              <a:rPr lang="en-US" smtClean="0"/>
               <a:t>Click to edit Master text styles</a:t>
             </a:r>
           </a:p>
           <a:p>
             <a:pPr lvl="1"/>
             <a:r>
-              <a:rPr lang="en-US"/>
+              <a:rPr lang="en-US" smtClean="0"/>
               <a:t>Second level</a:t>
             </a:r>
           </a:p>
           <a:p>
             <a:pPr lvl="2"/>
             <a:r>
-              <a:rPr lang="en-US"/>
+              <a:rPr lang="en-US" smtClean="0"/>
               <a:t>Third level</a:t>
             </a:r>
           </a:p>
           <a:p>
             <a:pPr lvl="3"/>
             <a:r>
-              <a:rPr lang="en-US"/>
+              <a:rPr lang="en-US" smtClean="0"/>
               <a:t>Fourth level</a:t>
             </a:r>
           </a:p>
           <a:p>
             <a:pPr lvl="4"/>
             <a:r>
-              <a:rPr lang="en-US"/>
+              <a:rPr lang="en-US" smtClean="0"/>
               <a:t>Fifth level</a:t>
             </a:r>
-            <a:endParaRPr lang="en-IN"/>
-          </a:p>
-        </p:txBody>
-      </p:sp>
-      <p:sp>
-        <p:nvSpPr>
-          <p:cNvPr id="7" name="Date Placeholder 6">
-            <a:extLst>
-              <a:ext uri="{FF2B5EF4-FFF2-40B4-BE49-F238E27FC236}">
-                <a16:creationId xmlns:a16="http://schemas.microsoft.com/office/drawing/2014/main" id="{66110178-7184-D6B1-A9BC-C3020C4DD3B4}"/>
-              </a:ext>
-            </a:extLst>
-          </p:cNvPr>
+            <a:endParaRPr lang="en-US" dirty="0"/>
+          </a:p>
+        </p:txBody>
+      </p:sp>
+      <p:sp>
+        <p:nvSpPr>
+          <p:cNvPr id="7" name="Date Placeholder 6"/>
           <p:cNvSpPr>
             <a:spLocks noGrp="1"/>
           </p:cNvSpPr>
@@ -1836,13 +1879,7 @@
       </p:sp>
       <p:sp>
         <p:nvSpPr>
-          <p:cNvPr id="8" name="Footer Placeholder 7">
-            <a:extLst>
-              <a:ext uri="{FF2B5EF4-FFF2-40B4-BE49-F238E27FC236}">
-                <a16:creationId xmlns:a16="http://schemas.microsoft.com/office/drawing/2014/main" id="{30178C5A-492C-2D99-4DEA-099D2CC40D71}"/>
-              </a:ext>
-            </a:extLst>
-          </p:cNvPr>
+          <p:cNvPr id="8" name="Footer Placeholder 7"/>
           <p:cNvSpPr>
             <a:spLocks noGrp="1"/>
           </p:cNvSpPr>
@@ -1861,13 +1898,7 @@
       </p:sp>
       <p:sp>
         <p:nvSpPr>
-          <p:cNvPr id="9" name="Slide Number Placeholder 8">
-            <a:extLst>
-              <a:ext uri="{FF2B5EF4-FFF2-40B4-BE49-F238E27FC236}">
-                <a16:creationId xmlns:a16="http://schemas.microsoft.com/office/drawing/2014/main" id="{0060025C-745D-F0DC-A830-39BA8B4E24AB}"/>
-              </a:ext>
-            </a:extLst>
-          </p:cNvPr>
+          <p:cNvPr id="9" name="Slide Number Placeholder 8"/>
           <p:cNvSpPr>
             <a:spLocks noGrp="1"/>
           </p:cNvSpPr>
@@ -1888,12 +1919,42 @@
           </a:p>
         </p:txBody>
       </p:sp>
+      <p:cxnSp>
+        <p:nvCxnSpPr>
+          <p:cNvPr id="11" name="Straight Connector 10"/>
+          <p:cNvCxnSpPr/>
+          <p:nvPr/>
+        </p:nvCxnSpPr>
+        <p:spPr>
+          <a:xfrm rot="5400000">
+            <a:off x="3741949" y="4045691"/>
+            <a:ext cx="4709160" cy="1059"/>
+          </a:xfrm>
+          <a:prstGeom prst="line">
+            <a:avLst/>
+          </a:prstGeom>
+          <a:ln w="19050">
+            <a:solidFill>
+              <a:schemeClr val="tx2"/>
+            </a:solidFill>
+          </a:ln>
+        </p:spPr>
+        <p:style>
+          <a:lnRef idx="1">
+            <a:schemeClr val="accent1"/>
+          </a:lnRef>
+          <a:fillRef idx="0">
+            <a:schemeClr val="accent1"/>
+          </a:fillRef>
+          <a:effectRef idx="0">
+            <a:schemeClr val="accent1"/>
+          </a:effectRef>
+          <a:fontRef idx="minor">
+            <a:schemeClr val="tx1"/>
+          </a:fontRef>
+        </p:style>
+      </p:cxnSp>
     </p:spTree>
-    <p:extLst>
-      <p:ext uri="{BB962C8B-B14F-4D97-AF65-F5344CB8AC3E}">
-        <p14:creationId xmlns:p14="http://schemas.microsoft.com/office/powerpoint/2010/main" val="47803169"/>
-      </p:ext>
-    </p:extLst>
   </p:cSld>
   <p:clrMapOvr>
     <a:masterClrMapping/>
@@ -1920,13 +1981,7 @@
       </p:grpSpPr>
       <p:sp>
         <p:nvSpPr>
-          <p:cNvPr id="2" name="Title 1">
-            <a:extLst>
-              <a:ext uri="{FF2B5EF4-FFF2-40B4-BE49-F238E27FC236}">
-                <a16:creationId xmlns:a16="http://schemas.microsoft.com/office/drawing/2014/main" id="{F88BE05B-9509-E78D-F635-768B05E6CA3F}"/>
-              </a:ext>
-            </a:extLst>
-          </p:cNvPr>
+          <p:cNvPr id="2" name="Title 1"/>
           <p:cNvSpPr>
             <a:spLocks noGrp="1"/>
           </p:cNvSpPr>
@@ -1940,22 +1995,16 @@
           <a:lstStyle/>
           <a:p>
             <a:r>
-              <a:rPr lang="en-US"/>
+              <a:rPr lang="en-US" smtClean="0"/>
               <a:t>Click to edit Master title style</a:t>
             </a:r>
-            <a:endParaRPr lang="en-IN"/>
-          </a:p>
-        </p:txBody>
-      </p:sp>
-      <p:sp>
-        <p:nvSpPr>
-          <p:cNvPr id="3" name="Date Placeholder 2">
-            <a:extLst>
-              <a:ext uri="{FF2B5EF4-FFF2-40B4-BE49-F238E27FC236}">
-                <a16:creationId xmlns:a16="http://schemas.microsoft.com/office/drawing/2014/main" id="{6F50BFAE-0A95-AC3F-10DD-77F4EAA42764}"/>
-              </a:ext>
-            </a:extLst>
-          </p:cNvPr>
+            <a:endParaRPr lang="en-US"/>
+          </a:p>
+        </p:txBody>
+      </p:sp>
+      <p:sp>
+        <p:nvSpPr>
+          <p:cNvPr id="3" name="Date Placeholder 2"/>
           <p:cNvSpPr>
             <a:spLocks noGrp="1"/>
           </p:cNvSpPr>
@@ -1978,13 +2027,7 @@
       </p:sp>
       <p:sp>
         <p:nvSpPr>
-          <p:cNvPr id="4" name="Footer Placeholder 3">
-            <a:extLst>
-              <a:ext uri="{FF2B5EF4-FFF2-40B4-BE49-F238E27FC236}">
-                <a16:creationId xmlns:a16="http://schemas.microsoft.com/office/drawing/2014/main" id="{CA5791F3-DD08-D4CA-B62E-47AA912E7C2B}"/>
-              </a:ext>
-            </a:extLst>
-          </p:cNvPr>
+          <p:cNvPr id="4" name="Footer Placeholder 3"/>
           <p:cNvSpPr>
             <a:spLocks noGrp="1"/>
           </p:cNvSpPr>
@@ -2003,13 +2046,7 @@
       </p:sp>
       <p:sp>
         <p:nvSpPr>
-          <p:cNvPr id="5" name="Slide Number Placeholder 4">
-            <a:extLst>
-              <a:ext uri="{FF2B5EF4-FFF2-40B4-BE49-F238E27FC236}">
-                <a16:creationId xmlns:a16="http://schemas.microsoft.com/office/drawing/2014/main" id="{5AF14865-3CE8-B687-6F05-387F8F1A3C5C}"/>
-              </a:ext>
-            </a:extLst>
-          </p:cNvPr>
+          <p:cNvPr id="5" name="Slide Number Placeholder 4"/>
           <p:cNvSpPr>
             <a:spLocks noGrp="1"/>
           </p:cNvSpPr>
@@ -2031,11 +2068,6 @@
         </p:txBody>
       </p:sp>
     </p:spTree>
-    <p:extLst>
-      <p:ext uri="{BB962C8B-B14F-4D97-AF65-F5344CB8AC3E}">
-        <p14:creationId xmlns:p14="http://schemas.microsoft.com/office/powerpoint/2010/main" val="2196952591"/>
-      </p:ext>
-    </p:extLst>
   </p:cSld>
   <p:clrMapOvr>
     <a:masterClrMapping/>
@@ -2062,13 +2094,7 @@
       </p:grpSpPr>
       <p:sp>
         <p:nvSpPr>
-          <p:cNvPr id="2" name="Date Placeholder 1">
-            <a:extLst>
-              <a:ext uri="{FF2B5EF4-FFF2-40B4-BE49-F238E27FC236}">
-                <a16:creationId xmlns:a16="http://schemas.microsoft.com/office/drawing/2014/main" id="{1F52BDB2-9B9D-1A8B-282F-545FD1A298F8}"/>
-              </a:ext>
-            </a:extLst>
-          </p:cNvPr>
+          <p:cNvPr id="2" name="Date Placeholder 1"/>
           <p:cNvSpPr>
             <a:spLocks noGrp="1"/>
           </p:cNvSpPr>
@@ -2091,13 +2117,7 @@
       </p:sp>
       <p:sp>
         <p:nvSpPr>
-          <p:cNvPr id="3" name="Footer Placeholder 2">
-            <a:extLst>
-              <a:ext uri="{FF2B5EF4-FFF2-40B4-BE49-F238E27FC236}">
-                <a16:creationId xmlns:a16="http://schemas.microsoft.com/office/drawing/2014/main" id="{DFCA8463-1876-B69B-8206-7B15C01C8DFB}"/>
-              </a:ext>
-            </a:extLst>
-          </p:cNvPr>
+          <p:cNvPr id="3" name="Footer Placeholder 2"/>
           <p:cNvSpPr>
             <a:spLocks noGrp="1"/>
           </p:cNvSpPr>
@@ -2116,13 +2136,7 @@
       </p:sp>
       <p:sp>
         <p:nvSpPr>
-          <p:cNvPr id="4" name="Slide Number Placeholder 3">
-            <a:extLst>
-              <a:ext uri="{FF2B5EF4-FFF2-40B4-BE49-F238E27FC236}">
-                <a16:creationId xmlns:a16="http://schemas.microsoft.com/office/drawing/2014/main" id="{1F3F4E8C-A3EB-B7F8-1B80-20F0BB677F90}"/>
-              </a:ext>
-            </a:extLst>
-          </p:cNvPr>
+          <p:cNvPr id="4" name="Slide Number Placeholder 3"/>
           <p:cNvSpPr>
             <a:spLocks noGrp="1"/>
           </p:cNvSpPr>
@@ -2144,11 +2158,6 @@
         </p:txBody>
       </p:sp>
     </p:spTree>
-    <p:extLst>
-      <p:ext uri="{BB962C8B-B14F-4D97-AF65-F5344CB8AC3E}">
-        <p14:creationId xmlns:p14="http://schemas.microsoft.com/office/powerpoint/2010/main" val="898174327"/>
-      </p:ext>
-    </p:extLst>
   </p:cSld>
   <p:clrMapOvr>
     <a:masterClrMapping/>
@@ -2175,13 +2184,7 @@
       </p:grpSpPr>
       <p:sp>
         <p:nvSpPr>
-          <p:cNvPr id="2" name="Title 1">
-            <a:extLst>
-              <a:ext uri="{FF2B5EF4-FFF2-40B4-BE49-F238E27FC236}">
-                <a16:creationId xmlns:a16="http://schemas.microsoft.com/office/drawing/2014/main" id="{ED9FD541-76CD-26F6-2B6B-2485A9438A75}"/>
-              </a:ext>
-            </a:extLst>
-          </p:cNvPr>
+          <p:cNvPr id="2" name="Title 1"/>
           <p:cNvSpPr>
             <a:spLocks noGrp="1"/>
           </p:cNvSpPr>
@@ -2191,35 +2194,31 @@
         </p:nvSpPr>
         <p:spPr>
           <a:xfrm>
-            <a:off x="839788" y="457200"/>
-            <a:ext cx="3932237" cy="1600200"/>
-          </a:xfrm>
-        </p:spPr>
-        <p:txBody>
-          <a:bodyPr anchor="b"/>
+            <a:off x="609600" y="792080"/>
+            <a:ext cx="2852928" cy="1261872"/>
+          </a:xfrm>
+        </p:spPr>
+        <p:txBody>
+          <a:bodyPr anchor="b">
+            <a:noAutofit/>
+          </a:bodyPr>
           <a:lstStyle>
-            <a:lvl1pPr>
-              <a:defRPr sz="3200"/>
+            <a:lvl1pPr algn="l">
+              <a:defRPr sz="2400" b="0"/>
             </a:lvl1pPr>
           </a:lstStyle>
           <a:p>
             <a:r>
-              <a:rPr lang="en-US"/>
+              <a:rPr lang="en-US" smtClean="0"/>
               <a:t>Click to edit Master title style</a:t>
             </a:r>
-            <a:endParaRPr lang="en-IN"/>
-          </a:p>
-        </p:txBody>
-      </p:sp>
-      <p:sp>
-        <p:nvSpPr>
-          <p:cNvPr id="3" name="Content Placeholder 2">
-            <a:extLst>
-              <a:ext uri="{FF2B5EF4-FFF2-40B4-BE49-F238E27FC236}">
-                <a16:creationId xmlns:a16="http://schemas.microsoft.com/office/drawing/2014/main" id="{B00AA805-C0CB-5E6D-7D4A-CCCB0DFC226E}"/>
-              </a:ext>
-            </a:extLst>
-          </p:cNvPr>
+            <a:endParaRPr lang="en-US" dirty="0"/>
+          </a:p>
+        </p:txBody>
+      </p:sp>
+      <p:sp>
+        <p:nvSpPr>
+          <p:cNvPr id="3" name="Content Placeholder 2"/>
           <p:cNvSpPr>
             <a:spLocks noGrp="1"/>
           </p:cNvSpPr>
@@ -2229,8 +2228,8 @@
         </p:nvSpPr>
         <p:spPr>
           <a:xfrm>
-            <a:off x="5183188" y="987425"/>
-            <a:ext cx="6172200" cy="4873625"/>
+            <a:off x="3962400" y="792080"/>
+            <a:ext cx="7620000" cy="5577840"/>
           </a:xfrm>
         </p:spPr>
         <p:txBody>
@@ -2267,50 +2266,44 @@
           <a:p>
             <a:pPr lvl="0"/>
             <a:r>
-              <a:rPr lang="en-US"/>
+              <a:rPr lang="en-US" smtClean="0"/>
               <a:t>Click to edit Master text styles</a:t>
             </a:r>
           </a:p>
           <a:p>
             <a:pPr lvl="1"/>
             <a:r>
-              <a:rPr lang="en-US"/>
+              <a:rPr lang="en-US" smtClean="0"/>
               <a:t>Second level</a:t>
             </a:r>
           </a:p>
           <a:p>
             <a:pPr lvl="2"/>
             <a:r>
-              <a:rPr lang="en-US"/>
+              <a:rPr lang="en-US" smtClean="0"/>
               <a:t>Third level</a:t>
             </a:r>
           </a:p>
           <a:p>
             <a:pPr lvl="3"/>
             <a:r>
-              <a:rPr lang="en-US"/>
+              <a:rPr lang="en-US" smtClean="0"/>
               <a:t>Fourth level</a:t>
             </a:r>
           </a:p>
           <a:p>
             <a:pPr lvl="4"/>
             <a:r>
-              <a:rPr lang="en-US"/>
+              <a:rPr lang="en-US" smtClean="0"/>
               <a:t>Fifth level</a:t>
             </a:r>
-            <a:endParaRPr lang="en-IN"/>
-          </a:p>
-        </p:txBody>
-      </p:sp>
-      <p:sp>
-        <p:nvSpPr>
-          <p:cNvPr id="4" name="Text Placeholder 3">
-            <a:extLst>
-              <a:ext uri="{FF2B5EF4-FFF2-40B4-BE49-F238E27FC236}">
-                <a16:creationId xmlns:a16="http://schemas.microsoft.com/office/drawing/2014/main" id="{5A5F2F42-8E11-03BD-16DF-2D3B4CA29077}"/>
-              </a:ext>
-            </a:extLst>
-          </p:cNvPr>
+            <a:endParaRPr lang="en-US" dirty="0"/>
+          </a:p>
+        </p:txBody>
+      </p:sp>
+      <p:sp>
+        <p:nvSpPr>
+          <p:cNvPr id="4" name="Text Placeholder 3"/>
           <p:cNvSpPr>
             <a:spLocks noGrp="1"/>
           </p:cNvSpPr>
@@ -2320,8 +2313,8 @@
         </p:nvSpPr>
         <p:spPr>
           <a:xfrm>
-            <a:off x="839788" y="2057400"/>
-            <a:ext cx="3932237" cy="3811588"/>
+            <a:off x="609601" y="2130553"/>
+            <a:ext cx="2852928" cy="4243615"/>
           </a:xfrm>
         </p:spPr>
         <p:txBody>
@@ -2329,45 +2322,45 @@
           <a:lstStyle>
             <a:lvl1pPr marL="0" indent="0">
               <a:buNone/>
-              <a:defRPr sz="1600"/>
+              <a:defRPr sz="1400"/>
             </a:lvl1pPr>
             <a:lvl2pPr marL="457200" indent="0">
               <a:buNone/>
-              <a:defRPr sz="1400"/>
+              <a:defRPr sz="1200"/>
             </a:lvl2pPr>
             <a:lvl3pPr marL="914400" indent="0">
               <a:buNone/>
-              <a:defRPr sz="1200"/>
+              <a:defRPr sz="1000"/>
             </a:lvl3pPr>
             <a:lvl4pPr marL="1371600" indent="0">
               <a:buNone/>
-              <a:defRPr sz="1000"/>
+              <a:defRPr sz="900"/>
             </a:lvl4pPr>
             <a:lvl5pPr marL="1828800" indent="0">
               <a:buNone/>
-              <a:defRPr sz="1000"/>
+              <a:defRPr sz="900"/>
             </a:lvl5pPr>
             <a:lvl6pPr marL="2286000" indent="0">
               <a:buNone/>
-              <a:defRPr sz="1000"/>
+              <a:defRPr sz="900"/>
             </a:lvl6pPr>
             <a:lvl7pPr marL="2743200" indent="0">
               <a:buNone/>
-              <a:defRPr sz="1000"/>
+              <a:defRPr sz="900"/>
             </a:lvl7pPr>
             <a:lvl8pPr marL="3200400" indent="0">
               <a:buNone/>
-              <a:defRPr sz="1000"/>
+              <a:defRPr sz="900"/>
             </a:lvl8pPr>
             <a:lvl9pPr marL="3657600" indent="0">
               <a:buNone/>
-              <a:defRPr sz="1000"/>
+              <a:defRPr sz="900"/>
             </a:lvl9pPr>
           </a:lstStyle>
           <a:p>
             <a:pPr lvl="0"/>
             <a:r>
-              <a:rPr lang="en-US"/>
+              <a:rPr lang="en-US" smtClean="0"/>
               <a:t>Click to edit Master text styles</a:t>
             </a:r>
           </a:p>
@@ -2375,13 +2368,7 @@
       </p:sp>
       <p:sp>
         <p:nvSpPr>
-          <p:cNvPr id="5" name="Date Placeholder 4">
-            <a:extLst>
-              <a:ext uri="{FF2B5EF4-FFF2-40B4-BE49-F238E27FC236}">
-                <a16:creationId xmlns:a16="http://schemas.microsoft.com/office/drawing/2014/main" id="{D37DDD1B-34A4-C222-C489-894DEDF6DBA9}"/>
-              </a:ext>
-            </a:extLst>
-          </p:cNvPr>
+          <p:cNvPr id="5" name="Date Placeholder 4"/>
           <p:cNvSpPr>
             <a:spLocks noGrp="1"/>
           </p:cNvSpPr>
@@ -2404,13 +2391,7 @@
       </p:sp>
       <p:sp>
         <p:nvSpPr>
-          <p:cNvPr id="6" name="Footer Placeholder 5">
-            <a:extLst>
-              <a:ext uri="{FF2B5EF4-FFF2-40B4-BE49-F238E27FC236}">
-                <a16:creationId xmlns:a16="http://schemas.microsoft.com/office/drawing/2014/main" id="{E638A074-4E18-524A-5C4A-B858698F3685}"/>
-              </a:ext>
-            </a:extLst>
-          </p:cNvPr>
+          <p:cNvPr id="6" name="Footer Placeholder 5"/>
           <p:cNvSpPr>
             <a:spLocks noGrp="1"/>
           </p:cNvSpPr>
@@ -2429,13 +2410,7 @@
       </p:sp>
       <p:sp>
         <p:nvSpPr>
-          <p:cNvPr id="7" name="Slide Number Placeholder 6">
-            <a:extLst>
-              <a:ext uri="{FF2B5EF4-FFF2-40B4-BE49-F238E27FC236}">
-                <a16:creationId xmlns:a16="http://schemas.microsoft.com/office/drawing/2014/main" id="{9D97FBC1-164E-C5AE-9F82-604C4F19DBB6}"/>
-              </a:ext>
-            </a:extLst>
-          </p:cNvPr>
+          <p:cNvPr id="7" name="Slide Number Placeholder 6"/>
           <p:cNvSpPr>
             <a:spLocks noGrp="1"/>
           </p:cNvSpPr>
@@ -2456,12 +2431,42 @@
           </a:p>
         </p:txBody>
       </p:sp>
+      <p:cxnSp>
+        <p:nvCxnSpPr>
+          <p:cNvPr id="9" name="Straight Connector 8"/>
+          <p:cNvCxnSpPr/>
+          <p:nvPr/>
+        </p:nvCxnSpPr>
+        <p:spPr>
+          <a:xfrm rot="5400000">
+            <a:off x="912152" y="3579942"/>
+            <a:ext cx="5577840" cy="2117"/>
+          </a:xfrm>
+          <a:prstGeom prst="line">
+            <a:avLst/>
+          </a:prstGeom>
+          <a:ln w="19050">
+            <a:solidFill>
+              <a:schemeClr val="tx2"/>
+            </a:solidFill>
+          </a:ln>
+        </p:spPr>
+        <p:style>
+          <a:lnRef idx="1">
+            <a:schemeClr val="accent1"/>
+          </a:lnRef>
+          <a:fillRef idx="0">
+            <a:schemeClr val="accent1"/>
+          </a:fillRef>
+          <a:effectRef idx="0">
+            <a:schemeClr val="accent1"/>
+          </a:effectRef>
+          <a:fontRef idx="minor">
+            <a:schemeClr val="tx1"/>
+          </a:fontRef>
+        </p:style>
+      </p:cxnSp>
     </p:spTree>
-    <p:extLst>
-      <p:ext uri="{BB962C8B-B14F-4D97-AF65-F5344CB8AC3E}">
-        <p14:creationId xmlns:p14="http://schemas.microsoft.com/office/powerpoint/2010/main" val="2042656136"/>
-      </p:ext>
-    </p:extLst>
   </p:cSld>
   <p:clrMapOvr>
     <a:masterClrMapping/>
@@ -2488,13 +2493,7 @@
       </p:grpSpPr>
       <p:sp>
         <p:nvSpPr>
-          <p:cNvPr id="2" name="Title 1">
-            <a:extLst>
-              <a:ext uri="{FF2B5EF4-FFF2-40B4-BE49-F238E27FC236}">
-                <a16:creationId xmlns:a16="http://schemas.microsoft.com/office/drawing/2014/main" id="{33567FBF-6C2F-7BD2-1EBA-43024A296C54}"/>
-              </a:ext>
-            </a:extLst>
-          </p:cNvPr>
+          <p:cNvPr id="2" name="Title 1"/>
           <p:cNvSpPr>
             <a:spLocks noGrp="1"/>
           </p:cNvSpPr>
@@ -2504,35 +2503,31 @@
         </p:nvSpPr>
         <p:spPr>
           <a:xfrm>
-            <a:off x="839788" y="457200"/>
-            <a:ext cx="3932237" cy="1600200"/>
-          </a:xfrm>
-        </p:spPr>
-        <p:txBody>
-          <a:bodyPr anchor="b"/>
+            <a:off x="609600" y="792480"/>
+            <a:ext cx="2856907" cy="1264920"/>
+          </a:xfrm>
+        </p:spPr>
+        <p:txBody>
+          <a:bodyPr anchor="b">
+            <a:normAutofit/>
+          </a:bodyPr>
           <a:lstStyle>
-            <a:lvl1pPr>
-              <a:defRPr sz="3200"/>
+            <a:lvl1pPr algn="l">
+              <a:defRPr sz="2400" b="0"/>
             </a:lvl1pPr>
           </a:lstStyle>
           <a:p>
             <a:r>
-              <a:rPr lang="en-US"/>
+              <a:rPr lang="en-US" smtClean="0"/>
               <a:t>Click to edit Master title style</a:t>
             </a:r>
-            <a:endParaRPr lang="en-IN"/>
-          </a:p>
-        </p:txBody>
-      </p:sp>
-      <p:sp>
-        <p:nvSpPr>
-          <p:cNvPr id="3" name="Picture Placeholder 2">
-            <a:extLst>
-              <a:ext uri="{FF2B5EF4-FFF2-40B4-BE49-F238E27FC236}">
-                <a16:creationId xmlns:a16="http://schemas.microsoft.com/office/drawing/2014/main" id="{1D76B5AE-98A4-A41B-B244-AE56E2E943AD}"/>
-              </a:ext>
-            </a:extLst>
-          </p:cNvPr>
+            <a:endParaRPr lang="en-US" dirty="0"/>
+          </a:p>
+        </p:txBody>
+      </p:sp>
+      <p:sp>
+        <p:nvSpPr>
+          <p:cNvPr id="3" name="Picture Placeholder 2"/>
           <p:cNvSpPr>
             <a:spLocks noGrp="1"/>
           </p:cNvSpPr>
@@ -2542,9 +2537,25 @@
         </p:nvSpPr>
         <p:spPr>
           <a:xfrm>
-            <a:off x="5183188" y="987425"/>
-            <a:ext cx="6172200" cy="4873625"/>
-          </a:xfrm>
+            <a:off x="3811480" y="838201"/>
+            <a:ext cx="7872520" cy="5500456"/>
+          </a:xfrm>
+          <a:solidFill>
+            <a:schemeClr val="bg2"/>
+          </a:solidFill>
+          <a:ln w="76200">
+            <a:solidFill>
+              <a:srgbClr val="FFFFFF"/>
+            </a:solidFill>
+            <a:miter lim="800000"/>
+          </a:ln>
+          <a:effectLst>
+            <a:outerShdw blurRad="50800" dist="12700" dir="5400000" algn="t" rotWithShape="0">
+              <a:prstClr val="black">
+                <a:alpha val="59000"/>
+              </a:prstClr>
+            </a:outerShdw>
+          </a:effectLst>
         </p:spPr>
         <p:txBody>
           <a:bodyPr/>
@@ -2587,19 +2598,17 @@
             </a:lvl9pPr>
           </a:lstStyle>
           <a:p>
-            <a:endParaRPr lang="en-IN"/>
-          </a:p>
-        </p:txBody>
-      </p:sp>
-      <p:sp>
-        <p:nvSpPr>
-          <p:cNvPr id="4" name="Text Placeholder 3">
-            <a:extLst>
-              <a:ext uri="{FF2B5EF4-FFF2-40B4-BE49-F238E27FC236}">
-                <a16:creationId xmlns:a16="http://schemas.microsoft.com/office/drawing/2014/main" id="{535D635F-4576-71C2-64AB-CACC60E73F4A}"/>
-              </a:ext>
-            </a:extLst>
-          </p:cNvPr>
+            <a:r>
+              <a:rPr lang="en-US" smtClean="0"/>
+              <a:t>Click icon to add picture</a:t>
+            </a:r>
+            <a:endParaRPr lang="en-US" dirty="0"/>
+          </a:p>
+        </p:txBody>
+      </p:sp>
+      <p:sp>
+        <p:nvSpPr>
+          <p:cNvPr id="4" name="Text Placeholder 3"/>
           <p:cNvSpPr>
             <a:spLocks noGrp="1"/>
           </p:cNvSpPr>
@@ -2609,8 +2618,8 @@
         </p:nvSpPr>
         <p:spPr>
           <a:xfrm>
-            <a:off x="839788" y="2057400"/>
-            <a:ext cx="3932237" cy="3811588"/>
+            <a:off x="609600" y="2133600"/>
+            <a:ext cx="2852928" cy="4242816"/>
           </a:xfrm>
         </p:spPr>
         <p:txBody>
@@ -2618,45 +2627,45 @@
           <a:lstStyle>
             <a:lvl1pPr marL="0" indent="0">
               <a:buNone/>
-              <a:defRPr sz="1600"/>
+              <a:defRPr sz="1400"/>
             </a:lvl1pPr>
             <a:lvl2pPr marL="457200" indent="0">
               <a:buNone/>
-              <a:defRPr sz="1400"/>
+              <a:defRPr sz="1200"/>
             </a:lvl2pPr>
             <a:lvl3pPr marL="914400" indent="0">
               <a:buNone/>
-              <a:defRPr sz="1200"/>
+              <a:defRPr sz="1000"/>
             </a:lvl3pPr>
             <a:lvl4pPr marL="1371600" indent="0">
               <a:buNone/>
-              <a:defRPr sz="1000"/>
+              <a:defRPr sz="900"/>
             </a:lvl4pPr>
             <a:lvl5pPr marL="1828800" indent="0">
               <a:buNone/>
-              <a:defRPr sz="1000"/>
+              <a:defRPr sz="900"/>
             </a:lvl5pPr>
             <a:lvl6pPr marL="2286000" indent="0">
               <a:buNone/>
-              <a:defRPr sz="1000"/>
+              <a:defRPr sz="900"/>
             </a:lvl6pPr>
             <a:lvl7pPr marL="2743200" indent="0">
               <a:buNone/>
-              <a:defRPr sz="1000"/>
+              <a:defRPr sz="900"/>
             </a:lvl7pPr>
             <a:lvl8pPr marL="3200400" indent="0">
               <a:buNone/>
-              <a:defRPr sz="1000"/>
+              <a:defRPr sz="900"/>
             </a:lvl8pPr>
             <a:lvl9pPr marL="3657600" indent="0">
               <a:buNone/>
-              <a:defRPr sz="1000"/>
+              <a:defRPr sz="900"/>
             </a:lvl9pPr>
           </a:lstStyle>
           <a:p>
             <a:pPr lvl="0"/>
             <a:r>
-              <a:rPr lang="en-US"/>
+              <a:rPr lang="en-US" smtClean="0"/>
               <a:t>Click to edit Master text styles</a:t>
             </a:r>
           </a:p>
@@ -2664,13 +2673,7 @@
       </p:sp>
       <p:sp>
         <p:nvSpPr>
-          <p:cNvPr id="5" name="Date Placeholder 4">
-            <a:extLst>
-              <a:ext uri="{FF2B5EF4-FFF2-40B4-BE49-F238E27FC236}">
-                <a16:creationId xmlns:a16="http://schemas.microsoft.com/office/drawing/2014/main" id="{9FDB8004-3232-73CC-2FD8-AC4FFEA389AD}"/>
-              </a:ext>
-            </a:extLst>
-          </p:cNvPr>
+          <p:cNvPr id="5" name="Date Placeholder 4"/>
           <p:cNvSpPr>
             <a:spLocks noGrp="1"/>
           </p:cNvSpPr>
@@ -2693,13 +2696,7 @@
       </p:sp>
       <p:sp>
         <p:nvSpPr>
-          <p:cNvPr id="6" name="Footer Placeholder 5">
-            <a:extLst>
-              <a:ext uri="{FF2B5EF4-FFF2-40B4-BE49-F238E27FC236}">
-                <a16:creationId xmlns:a16="http://schemas.microsoft.com/office/drawing/2014/main" id="{5D4F9ABF-D16C-EDB9-C0B9-0025283D41B1}"/>
-              </a:ext>
-            </a:extLst>
-          </p:cNvPr>
+          <p:cNvPr id="6" name="Footer Placeholder 5"/>
           <p:cNvSpPr>
             <a:spLocks noGrp="1"/>
           </p:cNvSpPr>
@@ -2718,13 +2715,7 @@
       </p:sp>
       <p:sp>
         <p:nvSpPr>
-          <p:cNvPr id="7" name="Slide Number Placeholder 6">
-            <a:extLst>
-              <a:ext uri="{FF2B5EF4-FFF2-40B4-BE49-F238E27FC236}">
-                <a16:creationId xmlns:a16="http://schemas.microsoft.com/office/drawing/2014/main" id="{B68CAA89-279A-6A08-3265-8A706C414FDA}"/>
-              </a:ext>
-            </a:extLst>
-          </p:cNvPr>
+          <p:cNvPr id="7" name="Slide Number Placeholder 6"/>
           <p:cNvSpPr>
             <a:spLocks noGrp="1"/>
           </p:cNvSpPr>
@@ -2746,11 +2737,6 @@
         </p:txBody>
       </p:sp>
     </p:spTree>
-    <p:extLst>
-      <p:ext uri="{BB962C8B-B14F-4D97-AF65-F5344CB8AC3E}">
-        <p14:creationId xmlns:p14="http://schemas.microsoft.com/office/powerpoint/2010/main" val="3865708939"/>
-      </p:ext>
-    </p:extLst>
   </p:cSld>
   <p:clrMapOvr>
     <a:masterClrMapping/>
@@ -2782,28 +2768,68 @@
       </p:grpSpPr>
       <p:sp>
         <p:nvSpPr>
-          <p:cNvPr id="2" name="Title Placeholder 1">
-            <a:extLst>
-              <a:ext uri="{FF2B5EF4-FFF2-40B4-BE49-F238E27FC236}">
-                <a16:creationId xmlns:a16="http://schemas.microsoft.com/office/drawing/2014/main" id="{FD9F3AA7-DAE7-449C-290C-05BEA4732BD4}"/>
-              </a:ext>
-            </a:extLst>
-          </p:cNvPr>
-          <p:cNvSpPr>
-            <a:spLocks noGrp="1"/>
-          </p:cNvSpPr>
-          <p:nvPr>
-            <p:ph type="title"/>
-          </p:nvPr>
-        </p:nvSpPr>
-        <p:spPr>
-          <a:xfrm>
-            <a:off x="838200" y="365125"/>
-            <a:ext cx="10515600" cy="1325563"/>
+          <p:cNvPr id="10" name="Rectangle 9"/>
+          <p:cNvSpPr/>
+          <p:nvPr/>
+        </p:nvSpPr>
+        <p:spPr>
+          <a:xfrm>
+            <a:off x="0" y="220786"/>
+            <a:ext cx="12192000" cy="228600"/>
           </a:xfrm>
           <a:prstGeom prst="rect">
             <a:avLst/>
           </a:prstGeom>
+          <a:solidFill>
+            <a:srgbClr val="FFFFFF"/>
+          </a:solidFill>
+          <a:ln>
+            <a:noFill/>
+          </a:ln>
+        </p:spPr>
+        <p:style>
+          <a:lnRef idx="2">
+            <a:schemeClr val="accent1">
+              <a:shade val="50000"/>
+            </a:schemeClr>
+          </a:lnRef>
+          <a:fillRef idx="1">
+            <a:schemeClr val="accent1"/>
+          </a:fillRef>
+          <a:effectRef idx="0">
+            <a:schemeClr val="accent1"/>
+          </a:effectRef>
+          <a:fontRef idx="minor">
+            <a:schemeClr val="lt1"/>
+          </a:fontRef>
+        </p:style>
+        <p:txBody>
+          <a:bodyPr rtlCol="0" anchor="ctr"/>
+          <a:lstStyle/>
+          <a:p>
+            <a:pPr algn="ctr"/>
+            <a:endParaRPr lang="en-US"/>
+          </a:p>
+        </p:txBody>
+      </p:sp>
+      <p:sp>
+        <p:nvSpPr>
+          <p:cNvPr id="2" name="Title Placeholder 1"/>
+          <p:cNvSpPr>
+            <a:spLocks noGrp="1"/>
+          </p:cNvSpPr>
+          <p:nvPr>
+            <p:ph type="title"/>
+          </p:nvPr>
+        </p:nvSpPr>
+        <p:spPr>
+          <a:xfrm>
+            <a:off x="609600" y="533400"/>
+            <a:ext cx="10972800" cy="990600"/>
+          </a:xfrm>
+          <a:prstGeom prst="rect">
+            <a:avLst/>
+          </a:prstGeom>
         </p:spPr>
         <p:txBody>
           <a:bodyPr vert="horz" lIns="91440" tIns="45720" rIns="91440" bIns="45720" rtlCol="0" anchor="ctr">
@@ -2812,22 +2838,16 @@
           <a:lstStyle/>
           <a:p>
             <a:r>
-              <a:rPr lang="en-US"/>
+              <a:rPr lang="en-US" smtClean="0"/>
               <a:t>Click to edit Master title style</a:t>
             </a:r>
-            <a:endParaRPr lang="en-IN"/>
-          </a:p>
-        </p:txBody>
-      </p:sp>
-      <p:sp>
-        <p:nvSpPr>
-          <p:cNvPr id="3" name="Text Placeholder 2">
-            <a:extLst>
-              <a:ext uri="{FF2B5EF4-FFF2-40B4-BE49-F238E27FC236}">
-                <a16:creationId xmlns:a16="http://schemas.microsoft.com/office/drawing/2014/main" id="{E1F5EB4E-F97A-5B5D-C356-206061CAF49B}"/>
-              </a:ext>
-            </a:extLst>
-          </p:cNvPr>
+            <a:endParaRPr lang="en-US" dirty="0"/>
+          </a:p>
+        </p:txBody>
+      </p:sp>
+      <p:sp>
+        <p:nvSpPr>
+          <p:cNvPr id="3" name="Text Placeholder 2"/>
           <p:cNvSpPr>
             <a:spLocks noGrp="1"/>
           </p:cNvSpPr>
@@ -2837,8 +2857,8 @@
         </p:nvSpPr>
         <p:spPr>
           <a:xfrm>
-            <a:off x="838200" y="1825625"/>
-            <a:ext cx="10515600" cy="4351338"/>
+            <a:off x="609600" y="1600200"/>
+            <a:ext cx="10972800" cy="4876800"/>
           </a:xfrm>
           <a:prstGeom prst="rect">
             <a:avLst/>
@@ -2852,50 +2872,90 @@
           <a:p>
             <a:pPr lvl="0"/>
             <a:r>
-              <a:rPr lang="en-US"/>
+              <a:rPr lang="en-US" smtClean="0"/>
               <a:t>Click to edit Master text styles</a:t>
             </a:r>
           </a:p>
           <a:p>
             <a:pPr lvl="1"/>
             <a:r>
-              <a:rPr lang="en-US"/>
+              <a:rPr lang="en-US" smtClean="0"/>
               <a:t>Second level</a:t>
             </a:r>
           </a:p>
           <a:p>
             <a:pPr lvl="2"/>
             <a:r>
-              <a:rPr lang="en-US"/>
+              <a:rPr lang="en-US" smtClean="0"/>
               <a:t>Third level</a:t>
             </a:r>
           </a:p>
           <a:p>
             <a:pPr lvl="3"/>
             <a:r>
-              <a:rPr lang="en-US"/>
+              <a:rPr lang="en-US" smtClean="0"/>
               <a:t>Fourth level</a:t>
             </a:r>
           </a:p>
           <a:p>
             <a:pPr lvl="4"/>
             <a:r>
-              <a:rPr lang="en-US"/>
+              <a:rPr lang="en-US" smtClean="0"/>
               <a:t>Fifth level</a:t>
             </a:r>
-            <a:endParaRPr lang="en-IN"/>
-          </a:p>
-        </p:txBody>
-      </p:sp>
-      <p:sp>
-        <p:nvSpPr>
-          <p:cNvPr id="4" name="Date Placeholder 3">
-            <a:extLst>
-              <a:ext uri="{FF2B5EF4-FFF2-40B4-BE49-F238E27FC236}">
-                <a16:creationId xmlns:a16="http://schemas.microsoft.com/office/drawing/2014/main" id="{5598328E-E519-18AB-9EFE-51BD86527A8A}"/>
-              </a:ext>
-            </a:extLst>
-          </p:cNvPr>
+            <a:endParaRPr lang="en-US" dirty="0"/>
+          </a:p>
+        </p:txBody>
+      </p:sp>
+      <p:sp>
+        <p:nvSpPr>
+          <p:cNvPr id="7" name="Rectangle 6"/>
+          <p:cNvSpPr/>
+          <p:nvPr/>
+        </p:nvSpPr>
+        <p:spPr>
+          <a:xfrm>
+            <a:off x="0" y="0"/>
+            <a:ext cx="12192000" cy="365760"/>
+          </a:xfrm>
+          <a:prstGeom prst="rect">
+            <a:avLst/>
+          </a:prstGeom>
+          <a:solidFill>
+            <a:schemeClr val="accent1"/>
+          </a:solidFill>
+          <a:ln>
+            <a:noFill/>
+          </a:ln>
+        </p:spPr>
+        <p:style>
+          <a:lnRef idx="2">
+            <a:schemeClr val="accent1">
+              <a:shade val="50000"/>
+            </a:schemeClr>
+          </a:lnRef>
+          <a:fillRef idx="1">
+            <a:schemeClr val="accent1"/>
+          </a:fillRef>
+          <a:effectRef idx="0">
+            <a:schemeClr val="accent1"/>
+          </a:effectRef>
+          <a:fontRef idx="minor">
+            <a:schemeClr val="lt1"/>
+          </a:fontRef>
+        </p:style>
+        <p:txBody>
+          <a:bodyPr rtlCol="0" anchor="ctr"/>
+          <a:lstStyle/>
+          <a:p>
+            <a:pPr algn="ctr"/>
+            <a:endParaRPr lang="en-US"/>
+          </a:p>
+        </p:txBody>
+      </p:sp>
+      <p:sp>
+        <p:nvSpPr>
+          <p:cNvPr id="4" name="Date Placeholder 3"/>
           <p:cNvSpPr>
             <a:spLocks noGrp="1"/>
           </p:cNvSpPr>
@@ -2905,8 +2965,8 @@
         </p:nvSpPr>
         <p:spPr>
           <a:xfrm>
-            <a:off x="838200" y="6356350"/>
-            <a:ext cx="2743200" cy="365125"/>
+            <a:off x="609600" y="18288"/>
+            <a:ext cx="3860800" cy="329184"/>
           </a:xfrm>
           <a:prstGeom prst="rect">
             <a:avLst/>
@@ -2918,9 +2978,7 @@
             <a:lvl1pPr algn="l">
               <a:defRPr sz="1200">
                 <a:solidFill>
-                  <a:schemeClr val="tx1">
-                    <a:tint val="75000"/>
-                  </a:schemeClr>
+                  <a:srgbClr val="FFFFFF"/>
                 </a:solidFill>
               </a:defRPr>
             </a:lvl1pPr>
@@ -2936,13 +2994,7 @@
       </p:sp>
       <p:sp>
         <p:nvSpPr>
-          <p:cNvPr id="5" name="Footer Placeholder 4">
-            <a:extLst>
-              <a:ext uri="{FF2B5EF4-FFF2-40B4-BE49-F238E27FC236}">
-                <a16:creationId xmlns:a16="http://schemas.microsoft.com/office/drawing/2014/main" id="{B4E3B7E0-31B5-DD83-88BE-8A6812B08D1D}"/>
-              </a:ext>
-            </a:extLst>
-          </p:cNvPr>
+          <p:cNvPr id="5" name="Footer Placeholder 4"/>
           <p:cNvSpPr>
             <a:spLocks noGrp="1"/>
           </p:cNvSpPr>
@@ -2952,8 +3004,8 @@
         </p:nvSpPr>
         <p:spPr>
           <a:xfrm>
-            <a:off x="4038600" y="6356350"/>
-            <a:ext cx="4114800" cy="365125"/>
+            <a:off x="4572000" y="18288"/>
+            <a:ext cx="5486400" cy="329184"/>
           </a:xfrm>
           <a:prstGeom prst="rect">
             <a:avLst/>
@@ -2965,9 +3017,7 @@
             <a:lvl1pPr algn="ctr">
               <a:defRPr sz="1200">
                 <a:solidFill>
-                  <a:schemeClr val="tx1">
-                    <a:tint val="75000"/>
-                  </a:schemeClr>
+                  <a:srgbClr val="FFFFFF"/>
                 </a:solidFill>
               </a:defRPr>
             </a:lvl1pPr>
@@ -2979,13 +3029,7 @@
       </p:sp>
       <p:sp>
         <p:nvSpPr>
-          <p:cNvPr id="6" name="Slide Number Placeholder 5">
-            <a:extLst>
-              <a:ext uri="{FF2B5EF4-FFF2-40B4-BE49-F238E27FC236}">
-                <a16:creationId xmlns:a16="http://schemas.microsoft.com/office/drawing/2014/main" id="{E6CA38C2-7EC2-2F15-B919-1A50E4C9C11C}"/>
-              </a:ext>
-            </a:extLst>
-          </p:cNvPr>
+          <p:cNvPr id="6" name="Slide Number Placeholder 5"/>
           <p:cNvSpPr>
             <a:spLocks noGrp="1"/>
           </p:cNvSpPr>
@@ -2995,8 +3039,8 @@
         </p:nvSpPr>
         <p:spPr>
           <a:xfrm>
-            <a:off x="8610600" y="6356350"/>
-            <a:ext cx="2743200" cy="365125"/>
+            <a:off x="10160000" y="18288"/>
+            <a:ext cx="1422400" cy="329184"/>
           </a:xfrm>
           <a:prstGeom prst="rect">
             <a:avLst/>
@@ -3005,12 +3049,10 @@
         <p:txBody>
           <a:bodyPr vert="horz" lIns="91440" tIns="45720" rIns="91440" bIns="45720" rtlCol="0" anchor="ctr"/>
           <a:lstStyle>
-            <a:lvl1pPr algn="r">
-              <a:defRPr sz="1200">
+            <a:lvl1pPr algn="l">
+              <a:defRPr sz="1400" b="1">
                 <a:solidFill>
-                  <a:schemeClr val="tx1">
-                    <a:tint val="75000"/>
-                  </a:schemeClr>
+                  <a:srgbClr val="FFFFFF"/>
                 </a:solidFill>
               </a:defRPr>
             </a:lvl1pPr>
@@ -3025,39 +3067,31 @@
         </p:txBody>
       </p:sp>
     </p:spTree>
-    <p:extLst>
-      <p:ext uri="{BB962C8B-B14F-4D97-AF65-F5344CB8AC3E}">
-        <p14:creationId xmlns:p14="http://schemas.microsoft.com/office/powerpoint/2010/main" val="3409205771"/>
-      </p:ext>
-    </p:extLst>
   </p:cSld>
   <p:clrMap bg1="lt1" tx1="dk1" bg2="lt2" tx2="dk2" accent1="accent1" accent2="accent2" accent3="accent3" accent4="accent4" accent5="accent5" accent6="accent6" hlink="hlink" folHlink="folHlink"/>
   <p:sldLayoutIdLst>
-    <p:sldLayoutId id="2147483649" r:id="rId1"/>
-    <p:sldLayoutId id="2147483650" r:id="rId2"/>
-    <p:sldLayoutId id="2147483651" r:id="rId3"/>
-    <p:sldLayoutId id="2147483652" r:id="rId4"/>
-    <p:sldLayoutId id="2147483653" r:id="rId5"/>
-    <p:sldLayoutId id="2147483654" r:id="rId6"/>
-    <p:sldLayoutId id="2147483655" r:id="rId7"/>
-    <p:sldLayoutId id="2147483656" r:id="rId8"/>
-    <p:sldLayoutId id="2147483657" r:id="rId9"/>
-    <p:sldLayoutId id="2147483658" r:id="rId10"/>
-    <p:sldLayoutId id="2147483659" r:id="rId11"/>
+    <p:sldLayoutId id="2147483733" r:id="rId1"/>
+    <p:sldLayoutId id="2147483734" r:id="rId2"/>
+    <p:sldLayoutId id="2147483735" r:id="rId3"/>
+    <p:sldLayoutId id="2147483736" r:id="rId4"/>
+    <p:sldLayoutId id="2147483737" r:id="rId5"/>
+    <p:sldLayoutId id="2147483738" r:id="rId6"/>
+    <p:sldLayoutId id="2147483739" r:id="rId7"/>
+    <p:sldLayoutId id="2147483740" r:id="rId8"/>
+    <p:sldLayoutId id="2147483741" r:id="rId9"/>
+    <p:sldLayoutId id="2147483742" r:id="rId10"/>
+    <p:sldLayoutId id="2147483743" r:id="rId11"/>
   </p:sldLayoutIdLst>
   <p:txStyles>
     <p:titleStyle>
       <a:lvl1pPr algn="l" defTabSz="914400" rtl="0" eaLnBrk="1" latinLnBrk="0" hangingPunct="1">
-        <a:lnSpc>
-          <a:spcPct val="90000"/>
-        </a:lnSpc>
         <a:spcBef>
           <a:spcPct val="0"/>
         </a:spcBef>
         <a:buNone/>
-        <a:defRPr sz="4400" kern="1200">
+        <a:defRPr sz="4000" kern="1200" spc="-100" baseline="0">
           <a:solidFill>
-            <a:schemeClr val="tx1"/>
+            <a:schemeClr val="tx2"/>
           </a:solidFill>
           <a:latin typeface="+mj-lt"/>
           <a:ea typeface="+mj-ea"/>
@@ -3066,32 +3100,15 @@
       </a:lvl1pPr>
     </p:titleStyle>
     <p:bodyStyle>
-      <a:lvl1pPr marL="228600" indent="-228600" algn="l" defTabSz="914400" rtl="0" eaLnBrk="1" latinLnBrk="0" hangingPunct="1">
-        <a:lnSpc>
-          <a:spcPct val="90000"/>
-        </a:lnSpc>
+      <a:lvl1pPr marL="182880" indent="-182880" algn="l" defTabSz="914400" rtl="0" eaLnBrk="1" latinLnBrk="0" hangingPunct="1">
         <a:spcBef>
-          <a:spcPts val="1000"/>
+          <a:spcPct val="20000"/>
         </a:spcBef>
-        <a:buFont typeface="Arial" panose="020B0604020202020204" pitchFamily="34" charset="0"/>
-        <a:buChar char="•"/>
-        <a:defRPr sz="2800" kern="1200">
-          <a:solidFill>
-            <a:schemeClr val="tx1"/>
-          </a:solidFill>
-          <a:latin typeface="+mn-lt"/>
-          <a:ea typeface="+mn-ea"/>
-          <a:cs typeface="+mn-cs"/>
-        </a:defRPr>
-      </a:lvl1pPr>
-      <a:lvl2pPr marL="685800" indent="-228600" algn="l" defTabSz="914400" rtl="0" eaLnBrk="1" latinLnBrk="0" hangingPunct="1">
-        <a:lnSpc>
-          <a:spcPct val="90000"/>
-        </a:lnSpc>
-        <a:spcBef>
-          <a:spcPts val="500"/>
-        </a:spcBef>
-        <a:buFont typeface="Arial" panose="020B0604020202020204" pitchFamily="34" charset="0"/>
+        <a:buClr>
+          <a:schemeClr val="accent1"/>
+        </a:buClr>
+        <a:buSzPct val="85000"/>
+        <a:buFont typeface="Arial" pitchFamily="34" charset="0"/>
         <a:buChar char="•"/>
         <a:defRPr sz="2400" kern="1200">
           <a:solidFill>
@@ -3101,15 +3118,16 @@
           <a:ea typeface="+mn-ea"/>
           <a:cs typeface="+mn-cs"/>
         </a:defRPr>
-      </a:lvl2pPr>
-      <a:lvl3pPr marL="1143000" indent="-228600" algn="l" defTabSz="914400" rtl="0" eaLnBrk="1" latinLnBrk="0" hangingPunct="1">
-        <a:lnSpc>
-          <a:spcPct val="90000"/>
-        </a:lnSpc>
+      </a:lvl1pPr>
+      <a:lvl2pPr marL="457200" indent="-182880" algn="l" defTabSz="914400" rtl="0" eaLnBrk="1" latinLnBrk="0" hangingPunct="1">
         <a:spcBef>
-          <a:spcPts val="500"/>
+          <a:spcPct val="20000"/>
         </a:spcBef>
-        <a:buFont typeface="Arial" panose="020B0604020202020204" pitchFamily="34" charset="0"/>
+        <a:buClr>
+          <a:schemeClr val="accent1"/>
+        </a:buClr>
+        <a:buSzPct val="85000"/>
+        <a:buFont typeface="Arial" pitchFamily="34" charset="0"/>
         <a:buChar char="•"/>
         <a:defRPr sz="2000" kern="1200">
           <a:solidFill>
@@ -3119,15 +3137,16 @@
           <a:ea typeface="+mn-ea"/>
           <a:cs typeface="+mn-cs"/>
         </a:defRPr>
-      </a:lvl3pPr>
-      <a:lvl4pPr marL="1600200" indent="-228600" algn="l" defTabSz="914400" rtl="0" eaLnBrk="1" latinLnBrk="0" hangingPunct="1">
-        <a:lnSpc>
-          <a:spcPct val="90000"/>
-        </a:lnSpc>
+      </a:lvl2pPr>
+      <a:lvl3pPr marL="731520" indent="-182880" algn="l" defTabSz="914400" rtl="0" eaLnBrk="1" latinLnBrk="0" hangingPunct="1">
         <a:spcBef>
-          <a:spcPts val="500"/>
+          <a:spcPct val="20000"/>
         </a:spcBef>
-        <a:buFont typeface="Arial" panose="020B0604020202020204" pitchFamily="34" charset="0"/>
+        <a:buClr>
+          <a:schemeClr val="accent1"/>
+        </a:buClr>
+        <a:buSzPct val="90000"/>
+        <a:buFont typeface="Arial" pitchFamily="34" charset="0"/>
         <a:buChar char="•"/>
         <a:defRPr sz="1800" kern="1200">
           <a:solidFill>
@@ -3137,17 +3156,36 @@
           <a:ea typeface="+mn-ea"/>
           <a:cs typeface="+mn-cs"/>
         </a:defRPr>
+      </a:lvl3pPr>
+      <a:lvl4pPr marL="1005840" indent="-182880" algn="l" defTabSz="914400" rtl="0" eaLnBrk="1" latinLnBrk="0" hangingPunct="1">
+        <a:spcBef>
+          <a:spcPct val="20000"/>
+        </a:spcBef>
+        <a:buClr>
+          <a:schemeClr val="accent1"/>
+        </a:buClr>
+        <a:buFont typeface="Arial" pitchFamily="34" charset="0"/>
+        <a:buChar char="•"/>
+        <a:defRPr sz="1600" kern="1200">
+          <a:solidFill>
+            <a:schemeClr val="tx1"/>
+          </a:solidFill>
+          <a:latin typeface="+mn-lt"/>
+          <a:ea typeface="+mn-ea"/>
+          <a:cs typeface="+mn-cs"/>
+        </a:defRPr>
       </a:lvl4pPr>
-      <a:lvl5pPr marL="2057400" indent="-228600" algn="l" defTabSz="914400" rtl="0" eaLnBrk="1" latinLnBrk="0" hangingPunct="1">
-        <a:lnSpc>
-          <a:spcPct val="90000"/>
-        </a:lnSpc>
+      <a:lvl5pPr marL="1188720" indent="-137160" algn="l" defTabSz="914400" rtl="0" eaLnBrk="1" latinLnBrk="0" hangingPunct="1">
         <a:spcBef>
-          <a:spcPts val="500"/>
+          <a:spcPct val="20000"/>
         </a:spcBef>
-        <a:buFont typeface="Arial" panose="020B0604020202020204" pitchFamily="34" charset="0"/>
+        <a:buClr>
+          <a:schemeClr val="accent1"/>
+        </a:buClr>
+        <a:buSzPct val="100000"/>
+        <a:buFont typeface="Arial" pitchFamily="34" charset="0"/>
         <a:buChar char="•"/>
-        <a:defRPr sz="1800" kern="1200">
+        <a:defRPr sz="1400" kern="1200" baseline="0">
           <a:solidFill>
             <a:schemeClr val="tx1"/>
           </a:solidFill>
@@ -3156,16 +3194,16 @@
           <a:cs typeface="+mn-cs"/>
         </a:defRPr>
       </a:lvl5pPr>
-      <a:lvl6pPr marL="2514600" indent="-228600" algn="l" defTabSz="914400" rtl="0" eaLnBrk="1" latinLnBrk="0" hangingPunct="1">
-        <a:lnSpc>
-          <a:spcPct val="90000"/>
-        </a:lnSpc>
+      <a:lvl6pPr marL="1371600" indent="-182880" algn="l" defTabSz="914400" rtl="0" eaLnBrk="1" latinLnBrk="0" hangingPunct="1">
         <a:spcBef>
-          <a:spcPts val="500"/>
+          <a:spcPct val="20000"/>
         </a:spcBef>
-        <a:buFont typeface="Arial" panose="020B0604020202020204" pitchFamily="34" charset="0"/>
+        <a:buClr>
+          <a:schemeClr val="accent1"/>
+        </a:buClr>
+        <a:buFont typeface="Arial" pitchFamily="34" charset="0"/>
         <a:buChar char="•"/>
-        <a:defRPr sz="1800" kern="1200">
+        <a:defRPr sz="1300" kern="1200">
           <a:solidFill>
             <a:schemeClr val="tx1"/>
           </a:solidFill>
@@ -3174,16 +3212,16 @@
           <a:cs typeface="+mn-cs"/>
         </a:defRPr>
       </a:lvl6pPr>
-      <a:lvl7pPr marL="2971800" indent="-228600" algn="l" defTabSz="914400" rtl="0" eaLnBrk="1" latinLnBrk="0" hangingPunct="1">
-        <a:lnSpc>
-          <a:spcPct val="90000"/>
-        </a:lnSpc>
+      <a:lvl7pPr marL="1554480" indent="-182880" algn="l" defTabSz="914400" rtl="0" eaLnBrk="1" latinLnBrk="0" hangingPunct="1">
         <a:spcBef>
-          <a:spcPts val="500"/>
+          <a:spcPct val="20000"/>
         </a:spcBef>
-        <a:buFont typeface="Arial" panose="020B0604020202020204" pitchFamily="34" charset="0"/>
+        <a:buClr>
+          <a:schemeClr val="accent1"/>
+        </a:buClr>
+        <a:buFont typeface="Arial" pitchFamily="34" charset="0"/>
         <a:buChar char="•"/>
-        <a:defRPr sz="1800" kern="1200">
+        <a:defRPr sz="1300" kern="1200">
           <a:solidFill>
             <a:schemeClr val="tx1"/>
           </a:solidFill>
@@ -3192,16 +3230,16 @@
           <a:cs typeface="+mn-cs"/>
         </a:defRPr>
       </a:lvl7pPr>
-      <a:lvl8pPr marL="3429000" indent="-228600" algn="l" defTabSz="914400" rtl="0" eaLnBrk="1" latinLnBrk="0" hangingPunct="1">
-        <a:lnSpc>
-          <a:spcPct val="90000"/>
-        </a:lnSpc>
+      <a:lvl8pPr marL="1737360" indent="-182880" algn="l" defTabSz="914400" rtl="0" eaLnBrk="1" latinLnBrk="0" hangingPunct="1">
         <a:spcBef>
-          <a:spcPts val="500"/>
+          <a:spcPct val="20000"/>
         </a:spcBef>
-        <a:buFont typeface="Arial" panose="020B0604020202020204" pitchFamily="34" charset="0"/>
+        <a:buClr>
+          <a:schemeClr val="accent1"/>
+        </a:buClr>
+        <a:buFont typeface="Arial" pitchFamily="34" charset="0"/>
         <a:buChar char="•"/>
-        <a:defRPr sz="1800" kern="1200">
+        <a:defRPr sz="1300" kern="1200">
           <a:solidFill>
             <a:schemeClr val="tx1"/>
           </a:solidFill>
@@ -3210,16 +3248,16 @@
           <a:cs typeface="+mn-cs"/>
         </a:defRPr>
       </a:lvl8pPr>
-      <a:lvl9pPr marL="3886200" indent="-228600" algn="l" defTabSz="914400" rtl="0" eaLnBrk="1" latinLnBrk="0" hangingPunct="1">
-        <a:lnSpc>
-          <a:spcPct val="90000"/>
-        </a:lnSpc>
+      <a:lvl9pPr marL="1920240" indent="-182880" algn="l" defTabSz="914400" rtl="0" eaLnBrk="1" latinLnBrk="0" hangingPunct="1">
         <a:spcBef>
-          <a:spcPts val="500"/>
+          <a:spcPct val="20000"/>
         </a:spcBef>
-        <a:buFont typeface="Arial" panose="020B0604020202020204" pitchFamily="34" charset="0"/>
+        <a:buClr>
+          <a:schemeClr val="accent1"/>
+        </a:buClr>
+        <a:buFont typeface="Arial" pitchFamily="34" charset="0"/>
         <a:buChar char="•"/>
-        <a:defRPr sz="1800" kern="1200">
+        <a:defRPr sz="1300" kern="1200">
           <a:solidFill>
             <a:schemeClr val="tx1"/>
           </a:solidFill>
@@ -3350,7 +3388,7 @@
           <p:cNvPr id="5" name="Picture 4">
             <a:extLst>
               <a:ext uri="{FF2B5EF4-FFF2-40B4-BE49-F238E27FC236}">
-                <a16:creationId xmlns:a16="http://schemas.microsoft.com/office/drawing/2014/main" id="{77B64780-C4E2-5DE5-C384-D61D0DC979D6}"/>
+                <a16:creationId xmlns:a16="http://schemas.microsoft.com/office/drawing/2014/main" xmlns="" id="{77B64780-C4E2-5DE5-C384-D61D0DC979D6}"/>
               </a:ext>
             </a:extLst>
           </p:cNvPr>
@@ -3386,7 +3424,7 @@
           <p:cNvPr id="2" name="Title 1">
             <a:extLst>
               <a:ext uri="{FF2B5EF4-FFF2-40B4-BE49-F238E27FC236}">
-                <a16:creationId xmlns:a16="http://schemas.microsoft.com/office/drawing/2014/main" id="{AB53099A-2A68-B70D-B807-1B83DFB15A08}"/>
+                <a16:creationId xmlns:a16="http://schemas.microsoft.com/office/drawing/2014/main" xmlns="" id="{AB53099A-2A68-B70D-B807-1B83DFB15A08}"/>
               </a:ext>
             </a:extLst>
           </p:cNvPr>
@@ -3399,54 +3437,191 @@
         </p:nvSpPr>
         <p:spPr>
           <a:xfrm>
-            <a:off x="-1048512" y="1292351"/>
-            <a:ext cx="7022592" cy="864299"/>
+            <a:off x="512868" y="1309603"/>
+            <a:ext cx="7022592" cy="1183431"/>
           </a:xfrm>
         </p:spPr>
         <p:txBody>
           <a:bodyPr>
-            <a:normAutofit fontScale="90000"/>
+            <a:normAutofit/>
           </a:bodyPr>
           <a:lstStyle/>
           <a:p>
+            <a:pPr marL="182880" indent="0">
+              <a:buNone/>
+            </a:pPr>
             <a:r>
               <a:rPr lang="en-US" dirty="0">
                 <a:solidFill>
                   <a:schemeClr val="bg1"/>
                 </a:solidFill>
               </a:rPr>
-              <a:t>Liberty Pro</a:t>
+              <a:t>Liberty </a:t>
+            </a:r>
+            <a:r>
+              <a:rPr lang="en-US" dirty="0" smtClean="0">
+                <a:solidFill>
+                  <a:schemeClr val="bg1"/>
+                </a:solidFill>
+              </a:rPr>
+              <a:t>Pro</a:t>
+            </a:r>
+            <a:br>
+              <a:rPr lang="en-US" dirty="0" smtClean="0">
+                <a:solidFill>
+                  <a:schemeClr val="bg1"/>
+                </a:solidFill>
+              </a:rPr>
+            </a:br>
+            <a:r>
+              <a:rPr lang="en-US" sz="1600" dirty="0" smtClean="0">
+                <a:solidFill>
+                  <a:schemeClr val="bg1"/>
+                </a:solidFill>
+              </a:rPr>
+              <a:t>Solution of </a:t>
+            </a:r>
+            <a:r>
+              <a:rPr lang="en-US" sz="1600" dirty="0" err="1" smtClean="0">
+                <a:solidFill>
+                  <a:schemeClr val="bg1"/>
+                </a:solidFill>
+              </a:rPr>
+              <a:t>BluePrint</a:t>
+            </a:r>
+            <a:r>
+              <a:rPr lang="en-US" sz="1600" dirty="0" smtClean="0">
+                <a:solidFill>
+                  <a:schemeClr val="bg1"/>
+                </a:solidFill>
+              </a:rPr>
+              <a:t> Prototype</a:t>
+            </a:r>
+            <a:endParaRPr lang="en-IN" sz="1600" dirty="0">
+              <a:solidFill>
+                <a:schemeClr val="bg1"/>
+              </a:solidFill>
+            </a:endParaRPr>
+          </a:p>
+        </p:txBody>
+      </p:sp>
+      <p:sp>
+        <p:nvSpPr>
+          <p:cNvPr id="3" name="Subtitle 2">
+            <a:extLst>
+              <a:ext uri="{FF2B5EF4-FFF2-40B4-BE49-F238E27FC236}">
+                <a16:creationId xmlns:a16="http://schemas.microsoft.com/office/drawing/2014/main" xmlns="" id="{99E495BE-DBE6-CE74-FE27-761DAB5FCC5D}"/>
+              </a:ext>
+            </a:extLst>
+          </p:cNvPr>
+          <p:cNvSpPr>
+            <a:spLocks noGrp="1"/>
+          </p:cNvSpPr>
+          <p:nvPr>
+            <p:ph type="subTitle" idx="1"/>
+          </p:nvPr>
+        </p:nvSpPr>
+        <p:spPr>
+          <a:xfrm>
+            <a:off x="238125" y="1033461"/>
+            <a:ext cx="8534400" cy="4107881"/>
+          </a:xfrm>
+        </p:spPr>
+        <p:txBody>
+          <a:bodyPr>
+            <a:normAutofit fontScale="92500" lnSpcReduction="20000"/>
+          </a:bodyPr>
+          <a:lstStyle/>
+          <a:p>
+            <a:endParaRPr lang="en-US" dirty="0" smtClean="0"/>
+          </a:p>
+          <a:p>
+            <a:endParaRPr lang="en-US" dirty="0"/>
+          </a:p>
+          <a:p>
+            <a:endParaRPr lang="en-US" dirty="0" smtClean="0"/>
+          </a:p>
+          <a:p>
+            <a:endParaRPr lang="en-US" dirty="0"/>
+          </a:p>
+          <a:p>
+            <a:endParaRPr lang="en-US" dirty="0" smtClean="0"/>
+          </a:p>
+          <a:p>
+            <a:endParaRPr lang="en-US" dirty="0"/>
+          </a:p>
+          <a:p>
+            <a:endParaRPr lang="en-US" dirty="0" smtClean="0"/>
+          </a:p>
+          <a:p>
+            <a:endParaRPr lang="en-US" dirty="0" smtClean="0">
+              <a:solidFill>
+                <a:schemeClr val="bg1"/>
+              </a:solidFill>
+            </a:endParaRPr>
+          </a:p>
+          <a:p>
+            <a:endParaRPr lang="en-US" dirty="0">
+              <a:solidFill>
+                <a:schemeClr val="bg1"/>
+              </a:solidFill>
+            </a:endParaRPr>
+          </a:p>
+          <a:p>
+            <a:endParaRPr lang="en-US" dirty="0" smtClean="0">
+              <a:solidFill>
+                <a:schemeClr val="bg1"/>
+              </a:solidFill>
+            </a:endParaRPr>
+          </a:p>
+          <a:p>
+            <a:r>
+              <a:rPr lang="en-US" dirty="0" smtClean="0">
+                <a:solidFill>
+                  <a:schemeClr val="bg1"/>
+                </a:solidFill>
+              </a:rPr>
+              <a:t>Team Members:-</a:t>
+            </a:r>
+          </a:p>
+          <a:p>
+            <a:r>
+              <a:rPr lang="en-US" dirty="0" err="1" smtClean="0">
+                <a:solidFill>
+                  <a:schemeClr val="bg1"/>
+                </a:solidFill>
+              </a:rPr>
+              <a:t>Amit</a:t>
+            </a:r>
+            <a:r>
+              <a:rPr lang="en-US" dirty="0" smtClean="0">
+                <a:solidFill>
+                  <a:schemeClr val="bg1"/>
+                </a:solidFill>
+              </a:rPr>
+              <a:t>, </a:t>
+            </a:r>
+            <a:r>
+              <a:rPr lang="en-US" dirty="0" err="1" smtClean="0">
+                <a:solidFill>
+                  <a:schemeClr val="bg1"/>
+                </a:solidFill>
+              </a:rPr>
+              <a:t>Taher</a:t>
+            </a:r>
+            <a:r>
+              <a:rPr lang="en-US" dirty="0" smtClean="0">
+                <a:solidFill>
+                  <a:schemeClr val="bg1"/>
+                </a:solidFill>
+              </a:rPr>
+              <a:t>, Syed</a:t>
             </a:r>
             <a:endParaRPr lang="en-IN" dirty="0">
               <a:solidFill>
                 <a:schemeClr val="bg1"/>
               </a:solidFill>
             </a:endParaRPr>
-          </a:p>
-        </p:txBody>
-      </p:sp>
-      <p:sp>
-        <p:nvSpPr>
-          <p:cNvPr id="3" name="Subtitle 2">
-            <a:extLst>
-              <a:ext uri="{FF2B5EF4-FFF2-40B4-BE49-F238E27FC236}">
-                <a16:creationId xmlns:a16="http://schemas.microsoft.com/office/drawing/2014/main" id="{99E495BE-DBE6-CE74-FE27-761DAB5FCC5D}"/>
-              </a:ext>
-            </a:extLst>
-          </p:cNvPr>
-          <p:cNvSpPr>
-            <a:spLocks noGrp="1"/>
-          </p:cNvSpPr>
-          <p:nvPr>
-            <p:ph type="subTitle" idx="1"/>
-          </p:nvPr>
-        </p:nvSpPr>
-        <p:spPr/>
-        <p:txBody>
-          <a:bodyPr/>
-          <a:lstStyle/>
-          <a:p>
-            <a:endParaRPr lang="en-IN" dirty="0"/>
           </a:p>
         </p:txBody>
       </p:sp>
@@ -3460,6 +3635,13 @@
   <p:clrMapOvr>
     <a:masterClrMapping/>
   </p:clrMapOvr>
+  <p:timing>
+    <p:tnLst>
+      <p:par>
+        <p:cTn id="1" dur="indefinite" restart="never" nodeType="tmRoot"/>
+      </p:par>
+    </p:tnLst>
+  </p:timing>
 </p:sld>
 </file>
 
@@ -3482,10 +3664,38 @@
       </p:grpSpPr>
       <p:sp>
         <p:nvSpPr>
-          <p:cNvPr id="2" name="Title 1">
+          <p:cNvPr id="5" name="Title 4"/>
+          <p:cNvSpPr>
+            <a:spLocks noGrp="1"/>
+          </p:cNvSpPr>
+          <p:nvPr>
+            <p:ph type="title"/>
+          </p:nvPr>
+        </p:nvSpPr>
+        <p:spPr>
+          <a:xfrm>
+            <a:off x="609600" y="152718"/>
+            <a:ext cx="7721600" cy="822067"/>
+          </a:xfrm>
+        </p:spPr>
+        <p:txBody>
+          <a:bodyPr/>
+          <a:lstStyle/>
+          <a:p>
+            <a:r>
+              <a:rPr lang="en-US" dirty="0" smtClean="0"/>
+              <a:t>Work Flow Architecture</a:t>
+            </a:r>
+            <a:endParaRPr lang="en-IN" dirty="0"/>
+          </a:p>
+        </p:txBody>
+      </p:sp>
+      <p:sp>
+        <p:nvSpPr>
+          <p:cNvPr id="3" name="Content Placeholder 2">
             <a:extLst>
               <a:ext uri="{FF2B5EF4-FFF2-40B4-BE49-F238E27FC236}">
-                <a16:creationId xmlns:a16="http://schemas.microsoft.com/office/drawing/2014/main" id="{A65E4A8F-E5C4-507B-9055-6A33483977D4}"/>
+                <a16:creationId xmlns:a16="http://schemas.microsoft.com/office/drawing/2014/main" xmlns="" id="{BAF2B9C4-B8BC-0CB9-5F8A-E77EEC58994D}"/>
               </a:ext>
             </a:extLst>
           </p:cNvPr>
@@ -3493,43 +3703,19 @@
             <a:spLocks noGrp="1"/>
           </p:cNvSpPr>
           <p:nvPr>
-            <p:ph type="title"/>
-          </p:nvPr>
-        </p:nvSpPr>
-        <p:spPr/>
+            <p:ph idx="1"/>
+          </p:nvPr>
+        </p:nvSpPr>
+        <p:spPr>
+          <a:xfrm>
+            <a:off x="609600" y="879894"/>
+            <a:ext cx="10639426" cy="5246270"/>
+          </a:xfrm>
+        </p:spPr>
         <p:txBody>
           <a:bodyPr/>
           <a:lstStyle/>
           <a:p>
-            <a:endParaRPr lang="en-IN"/>
-          </a:p>
-        </p:txBody>
-      </p:sp>
-      <p:sp>
-        <p:nvSpPr>
-          <p:cNvPr id="3" name="Content Placeholder 2">
-            <a:extLst>
-              <a:ext uri="{FF2B5EF4-FFF2-40B4-BE49-F238E27FC236}">
-                <a16:creationId xmlns:a16="http://schemas.microsoft.com/office/drawing/2014/main" id="{BAF2B9C4-B8BC-0CB9-5F8A-E77EEC58994D}"/>
-              </a:ext>
-            </a:extLst>
-          </p:cNvPr>
-          <p:cNvSpPr>
-            <a:spLocks noGrp="1"/>
-          </p:cNvSpPr>
-          <p:nvPr>
-            <p:ph idx="1"/>
-          </p:nvPr>
-        </p:nvSpPr>
-        <p:spPr/>
-        <p:txBody>
-          <a:bodyPr/>
-          <a:lstStyle/>
-          <a:p>
-            <a:r>
-              <a:rPr lang="en-US" dirty="0"/>
-              <a:t>The work flow</a:t>
-            </a:r>
             <a:endParaRPr lang="en-IN" dirty="0"/>
           </a:p>
         </p:txBody>
@@ -3539,7 +3725,7 @@
           <p:cNvPr id="4" name="Picture 3">
             <a:extLst>
               <a:ext uri="{FF2B5EF4-FFF2-40B4-BE49-F238E27FC236}">
-                <a16:creationId xmlns:a16="http://schemas.microsoft.com/office/drawing/2014/main" id="{D3A1C4FD-9CBC-DF33-FA68-6BB94464C177}"/>
+                <a16:creationId xmlns:a16="http://schemas.microsoft.com/office/drawing/2014/main" xmlns="" id="{D3A1C4FD-9CBC-DF33-FA68-6BB94464C177}"/>
               </a:ext>
             </a:extLst>
           </p:cNvPr>
@@ -3562,8 +3748,8 @@
         </p:blipFill>
         <p:spPr>
           <a:xfrm>
-            <a:off x="6096000" y="560196"/>
-            <a:ext cx="5153025" cy="5343525"/>
+            <a:off x="3554082" y="974785"/>
+            <a:ext cx="7694943" cy="4928936"/>
           </a:xfrm>
           <a:prstGeom prst="rect">
             <a:avLst/>
@@ -3575,7 +3761,7 @@
           <p:cNvPr id="6" name="Picture 5">
             <a:extLst>
               <a:ext uri="{FF2B5EF4-FFF2-40B4-BE49-F238E27FC236}">
-                <a16:creationId xmlns:a16="http://schemas.microsoft.com/office/drawing/2014/main" id="{8D0EE4FD-DCD5-D148-7DF1-0B22C8BDBEB4}"/>
+                <a16:creationId xmlns:a16="http://schemas.microsoft.com/office/drawing/2014/main" xmlns="" id="{8D0EE4FD-DCD5-D148-7DF1-0B22C8BDBEB4}"/>
               </a:ext>
             </a:extLst>
           </p:cNvPr>
@@ -3598,8 +3784,8 @@
         </p:blipFill>
         <p:spPr>
           <a:xfrm>
-            <a:off x="98679" y="2414015"/>
-            <a:ext cx="5929122" cy="2454053"/>
+            <a:off x="-66036" y="3045124"/>
+            <a:ext cx="3740889" cy="2070339"/>
           </a:xfrm>
           <a:prstGeom prst="rect">
             <a:avLst/>
@@ -3616,6 +3802,13 @@
   <p:clrMapOvr>
     <a:masterClrMapping/>
   </p:clrMapOvr>
+  <p:timing>
+    <p:tnLst>
+      <p:par>
+        <p:cTn id="1" dur="indefinite" restart="never" nodeType="tmRoot"/>
+      </p:par>
+    </p:tnLst>
+  </p:timing>
 </p:sld>
 </file>
 
@@ -3641,7 +3834,7 @@
           <p:cNvPr id="56" name="Oval 55">
             <a:extLst>
               <a:ext uri="{FF2B5EF4-FFF2-40B4-BE49-F238E27FC236}">
-                <a16:creationId xmlns:a16="http://schemas.microsoft.com/office/drawing/2014/main" id="{88E0878A-306F-FF0E-3D69-49960E1494AA}"/>
+                <a16:creationId xmlns:a16="http://schemas.microsoft.com/office/drawing/2014/main" xmlns="" id="{88E0878A-306F-FF0E-3D69-49960E1494AA}"/>
               </a:ext>
             </a:extLst>
           </p:cNvPr>
@@ -3650,8 +3843,8 @@
         </p:nvSpPr>
         <p:spPr>
           <a:xfrm>
-            <a:off x="2371232" y="4505620"/>
-            <a:ext cx="2218371" cy="2162831"/>
+            <a:off x="2070340" y="4505620"/>
+            <a:ext cx="2855343" cy="2162831"/>
           </a:xfrm>
           <a:prstGeom prst="ellipse">
             <a:avLst/>
@@ -3687,7 +3880,7 @@
           <p:cNvPr id="55" name="Oval 54">
             <a:extLst>
               <a:ext uri="{FF2B5EF4-FFF2-40B4-BE49-F238E27FC236}">
-                <a16:creationId xmlns:a16="http://schemas.microsoft.com/office/drawing/2014/main" id="{9BF80705-05E3-ABDB-F292-906CAC48E9C5}"/>
+                <a16:creationId xmlns:a16="http://schemas.microsoft.com/office/drawing/2014/main" xmlns="" id="{9BF80705-05E3-ABDB-F292-906CAC48E9C5}"/>
               </a:ext>
             </a:extLst>
           </p:cNvPr>
@@ -3733,7 +3926,7 @@
           <p:cNvPr id="5" name="Content Placeholder 4">
             <a:extLst>
               <a:ext uri="{FF2B5EF4-FFF2-40B4-BE49-F238E27FC236}">
-                <a16:creationId xmlns:a16="http://schemas.microsoft.com/office/drawing/2014/main" id="{85F20D0E-EDE0-7E32-049D-A5379634E875}"/>
+                <a16:creationId xmlns:a16="http://schemas.microsoft.com/office/drawing/2014/main" xmlns="" id="{85F20D0E-EDE0-7E32-049D-A5379634E875}"/>
               </a:ext>
             </a:extLst>
           </p:cNvPr>
@@ -3745,7 +3938,7 @@
           </p:nvPr>
         </p:nvPicPr>
         <p:blipFill>
-          <a:blip r:embed="rId2">
+          <a:blip r:embed="rId2" cstate="print">
             <a:extLst>
               <a:ext uri="{28A0092B-C50C-407E-A947-70E740481C1C}">
                 <a14:useLocalDpi xmlns:a14="http://schemas.microsoft.com/office/drawing/2010/main" val="0"/>
@@ -3768,7 +3961,7 @@
           <p:cNvPr id="7" name="Picture 6">
             <a:extLst>
               <a:ext uri="{FF2B5EF4-FFF2-40B4-BE49-F238E27FC236}">
-                <a16:creationId xmlns:a16="http://schemas.microsoft.com/office/drawing/2014/main" id="{EF8B7171-229B-18DB-F14C-6B2F51D1BE64}"/>
+                <a16:creationId xmlns:a16="http://schemas.microsoft.com/office/drawing/2014/main" xmlns="" id="{EF8B7171-229B-18DB-F14C-6B2F51D1BE64}"/>
               </a:ext>
             </a:extLst>
           </p:cNvPr>
@@ -3804,7 +3997,7 @@
           <p:cNvPr id="9" name="Straight Arrow Connector 8">
             <a:extLst>
               <a:ext uri="{FF2B5EF4-FFF2-40B4-BE49-F238E27FC236}">
-                <a16:creationId xmlns:a16="http://schemas.microsoft.com/office/drawing/2014/main" id="{81B18846-9128-9867-575E-CCFC692C0572}"/>
+                <a16:creationId xmlns:a16="http://schemas.microsoft.com/office/drawing/2014/main" xmlns="" id="{81B18846-9128-9867-575E-CCFC692C0572}"/>
               </a:ext>
             </a:extLst>
           </p:cNvPr>
@@ -3846,7 +4039,7 @@
           <p:cNvPr id="12" name="Picture 11">
             <a:extLst>
               <a:ext uri="{FF2B5EF4-FFF2-40B4-BE49-F238E27FC236}">
-                <a16:creationId xmlns:a16="http://schemas.microsoft.com/office/drawing/2014/main" id="{3C553E9B-4BF3-A647-80D3-BBCF18AB3951}"/>
+                <a16:creationId xmlns:a16="http://schemas.microsoft.com/office/drawing/2014/main" xmlns="" id="{3C553E9B-4BF3-A647-80D3-BBCF18AB3951}"/>
               </a:ext>
             </a:extLst>
           </p:cNvPr>
@@ -3882,7 +4075,7 @@
           <p:cNvPr id="14" name="Picture 13">
             <a:extLst>
               <a:ext uri="{FF2B5EF4-FFF2-40B4-BE49-F238E27FC236}">
-                <a16:creationId xmlns:a16="http://schemas.microsoft.com/office/drawing/2014/main" id="{C04FDF44-BE54-D61A-9A03-42F2409F2B1F}"/>
+                <a16:creationId xmlns:a16="http://schemas.microsoft.com/office/drawing/2014/main" xmlns="" id="{C04FDF44-BE54-D61A-9A03-42F2409F2B1F}"/>
               </a:ext>
             </a:extLst>
           </p:cNvPr>
@@ -3918,7 +4111,7 @@
           <p:cNvPr id="16" name="Picture 15">
             <a:extLst>
               <a:ext uri="{FF2B5EF4-FFF2-40B4-BE49-F238E27FC236}">
-                <a16:creationId xmlns:a16="http://schemas.microsoft.com/office/drawing/2014/main" id="{D0DC5F29-B9D4-ABBC-0A01-AE4071AF3C13}"/>
+                <a16:creationId xmlns:a16="http://schemas.microsoft.com/office/drawing/2014/main" xmlns="" id="{D0DC5F29-B9D4-ABBC-0A01-AE4071AF3C13}"/>
               </a:ext>
             </a:extLst>
           </p:cNvPr>
@@ -3954,7 +4147,7 @@
           <p:cNvPr id="18" name="Picture 17">
             <a:extLst>
               <a:ext uri="{FF2B5EF4-FFF2-40B4-BE49-F238E27FC236}">
-                <a16:creationId xmlns:a16="http://schemas.microsoft.com/office/drawing/2014/main" id="{9430CBBF-1C7C-7496-BC21-F114763DA374}"/>
+                <a16:creationId xmlns:a16="http://schemas.microsoft.com/office/drawing/2014/main" xmlns="" id="{9430CBBF-1C7C-7496-BC21-F114763DA374}"/>
               </a:ext>
             </a:extLst>
           </p:cNvPr>
@@ -3990,7 +4183,7 @@
           <p:cNvPr id="20" name="Picture 19">
             <a:extLst>
               <a:ext uri="{FF2B5EF4-FFF2-40B4-BE49-F238E27FC236}">
-                <a16:creationId xmlns:a16="http://schemas.microsoft.com/office/drawing/2014/main" id="{0A11F60F-07C2-B5A2-5744-864E7723963F}"/>
+                <a16:creationId xmlns:a16="http://schemas.microsoft.com/office/drawing/2014/main" xmlns="" id="{0A11F60F-07C2-B5A2-5744-864E7723963F}"/>
               </a:ext>
             </a:extLst>
           </p:cNvPr>
@@ -4000,7 +4193,7 @@
           <p:nvPr/>
         </p:nvPicPr>
         <p:blipFill>
-          <a:blip r:embed="rId8">
+          <a:blip r:embed="rId8" cstate="print">
             <a:extLst>
               <a:ext uri="{28A0092B-C50C-407E-A947-70E740481C1C}">
                 <a14:useLocalDpi xmlns:a14="http://schemas.microsoft.com/office/drawing/2010/main" val="0"/>
@@ -4026,7 +4219,7 @@
           <p:cNvPr id="22" name="Picture 21">
             <a:extLst>
               <a:ext uri="{FF2B5EF4-FFF2-40B4-BE49-F238E27FC236}">
-                <a16:creationId xmlns:a16="http://schemas.microsoft.com/office/drawing/2014/main" id="{C3C609BF-7A70-AF39-BE64-FF3B535D0898}"/>
+                <a16:creationId xmlns:a16="http://schemas.microsoft.com/office/drawing/2014/main" xmlns="" id="{C3C609BF-7A70-AF39-BE64-FF3B535D0898}"/>
               </a:ext>
             </a:extLst>
           </p:cNvPr>
@@ -4062,7 +4255,7 @@
           <p:cNvPr id="23" name="Straight Arrow Connector 22">
             <a:extLst>
               <a:ext uri="{FF2B5EF4-FFF2-40B4-BE49-F238E27FC236}">
-                <a16:creationId xmlns:a16="http://schemas.microsoft.com/office/drawing/2014/main" id="{35B3CE87-332E-4561-D7C8-12B6A1F5042C}"/>
+                <a16:creationId xmlns:a16="http://schemas.microsoft.com/office/drawing/2014/main" xmlns="" id="{35B3CE87-332E-4561-D7C8-12B6A1F5042C}"/>
               </a:ext>
             </a:extLst>
           </p:cNvPr>
@@ -4104,7 +4297,7 @@
           <p:cNvPr id="25" name="Straight Arrow Connector 24">
             <a:extLst>
               <a:ext uri="{FF2B5EF4-FFF2-40B4-BE49-F238E27FC236}">
-                <a16:creationId xmlns:a16="http://schemas.microsoft.com/office/drawing/2014/main" id="{38B4EF99-1E0C-6FAD-261B-0996094D81D5}"/>
+                <a16:creationId xmlns:a16="http://schemas.microsoft.com/office/drawing/2014/main" xmlns="" id="{38B4EF99-1E0C-6FAD-261B-0996094D81D5}"/>
               </a:ext>
             </a:extLst>
           </p:cNvPr>
@@ -4146,7 +4339,7 @@
           <p:cNvPr id="28" name="Straight Arrow Connector 27">
             <a:extLst>
               <a:ext uri="{FF2B5EF4-FFF2-40B4-BE49-F238E27FC236}">
-                <a16:creationId xmlns:a16="http://schemas.microsoft.com/office/drawing/2014/main" id="{2B0F6A9A-CAFA-8319-9A86-30E64A423E62}"/>
+                <a16:creationId xmlns:a16="http://schemas.microsoft.com/office/drawing/2014/main" xmlns="" id="{2B0F6A9A-CAFA-8319-9A86-30E64A423E62}"/>
               </a:ext>
             </a:extLst>
           </p:cNvPr>
@@ -4189,7 +4382,7 @@
           <p:cNvPr id="30" name="Straight Arrow Connector 29">
             <a:extLst>
               <a:ext uri="{FF2B5EF4-FFF2-40B4-BE49-F238E27FC236}">
-                <a16:creationId xmlns:a16="http://schemas.microsoft.com/office/drawing/2014/main" id="{8722B45F-CD2B-B003-915D-BD4C7CC3902F}"/>
+                <a16:creationId xmlns:a16="http://schemas.microsoft.com/office/drawing/2014/main" xmlns="" id="{8722B45F-CD2B-B003-915D-BD4C7CC3902F}"/>
               </a:ext>
             </a:extLst>
           </p:cNvPr>
@@ -4231,7 +4424,7 @@
           <p:cNvPr id="32" name="Straight Arrow Connector 31">
             <a:extLst>
               <a:ext uri="{FF2B5EF4-FFF2-40B4-BE49-F238E27FC236}">
-                <a16:creationId xmlns:a16="http://schemas.microsoft.com/office/drawing/2014/main" id="{1349C2E1-EA0C-2C46-7FC8-1596791E05E7}"/>
+                <a16:creationId xmlns:a16="http://schemas.microsoft.com/office/drawing/2014/main" xmlns="" id="{1349C2E1-EA0C-2C46-7FC8-1596791E05E7}"/>
               </a:ext>
             </a:extLst>
           </p:cNvPr>
@@ -4273,7 +4466,7 @@
           <p:cNvPr id="44" name="Straight Arrow Connector 43">
             <a:extLst>
               <a:ext uri="{FF2B5EF4-FFF2-40B4-BE49-F238E27FC236}">
-                <a16:creationId xmlns:a16="http://schemas.microsoft.com/office/drawing/2014/main" id="{054263D5-C828-0E78-A9F2-9201FC25E8C9}"/>
+                <a16:creationId xmlns:a16="http://schemas.microsoft.com/office/drawing/2014/main" xmlns="" id="{054263D5-C828-0E78-A9F2-9201FC25E8C9}"/>
               </a:ext>
             </a:extLst>
           </p:cNvPr>
@@ -4315,7 +4508,7 @@
           <p:cNvPr id="47" name="TextBox 46">
             <a:extLst>
               <a:ext uri="{FF2B5EF4-FFF2-40B4-BE49-F238E27FC236}">
-                <a16:creationId xmlns:a16="http://schemas.microsoft.com/office/drawing/2014/main" id="{8C46BAA9-74D8-E27B-EE80-036C9499D901}"/>
+                <a16:creationId xmlns:a16="http://schemas.microsoft.com/office/drawing/2014/main" xmlns="" id="{8C46BAA9-74D8-E27B-EE80-036C9499D901}"/>
               </a:ext>
             </a:extLst>
           </p:cNvPr>
@@ -4351,7 +4544,7 @@
           <p:cNvPr id="48" name="TextBox 47">
             <a:extLst>
               <a:ext uri="{FF2B5EF4-FFF2-40B4-BE49-F238E27FC236}">
-                <a16:creationId xmlns:a16="http://schemas.microsoft.com/office/drawing/2014/main" id="{F782562E-F1FC-54AA-5BDB-4C91FDB6CC81}"/>
+                <a16:creationId xmlns:a16="http://schemas.microsoft.com/office/drawing/2014/main" xmlns="" id="{F782562E-F1FC-54AA-5BDB-4C91FDB6CC81}"/>
               </a:ext>
             </a:extLst>
           </p:cNvPr>
@@ -4387,7 +4580,7 @@
           <p:cNvPr id="49" name="TextBox 48">
             <a:extLst>
               <a:ext uri="{FF2B5EF4-FFF2-40B4-BE49-F238E27FC236}">
-                <a16:creationId xmlns:a16="http://schemas.microsoft.com/office/drawing/2014/main" id="{D9BF18B2-B3AD-7F67-C342-3DB86BD8AD88}"/>
+                <a16:creationId xmlns:a16="http://schemas.microsoft.com/office/drawing/2014/main" xmlns="" id="{D9BF18B2-B3AD-7F67-C342-3DB86BD8AD88}"/>
               </a:ext>
             </a:extLst>
           </p:cNvPr>
@@ -4423,7 +4616,7 @@
           <p:cNvPr id="50" name="TextBox 49">
             <a:extLst>
               <a:ext uri="{FF2B5EF4-FFF2-40B4-BE49-F238E27FC236}">
-                <a16:creationId xmlns:a16="http://schemas.microsoft.com/office/drawing/2014/main" id="{14929298-2971-9C92-AA9E-76D2E5162CFF}"/>
+                <a16:creationId xmlns:a16="http://schemas.microsoft.com/office/drawing/2014/main" xmlns="" id="{14929298-2971-9C92-AA9E-76D2E5162CFF}"/>
               </a:ext>
             </a:extLst>
           </p:cNvPr>
@@ -4459,7 +4652,7 @@
           <p:cNvPr id="51" name="TextBox 50">
             <a:extLst>
               <a:ext uri="{FF2B5EF4-FFF2-40B4-BE49-F238E27FC236}">
-                <a16:creationId xmlns:a16="http://schemas.microsoft.com/office/drawing/2014/main" id="{1BD5D4FE-7DD1-EFEC-8A3E-04AC6555172E}"/>
+                <a16:creationId xmlns:a16="http://schemas.microsoft.com/office/drawing/2014/main" xmlns="" id="{1BD5D4FE-7DD1-EFEC-8A3E-04AC6555172E}"/>
               </a:ext>
             </a:extLst>
           </p:cNvPr>
@@ -4495,7 +4688,7 @@
           <p:cNvPr id="52" name="TextBox 51">
             <a:extLst>
               <a:ext uri="{FF2B5EF4-FFF2-40B4-BE49-F238E27FC236}">
-                <a16:creationId xmlns:a16="http://schemas.microsoft.com/office/drawing/2014/main" id="{A07C629A-23F8-22E7-0046-C795B342BC53}"/>
+                <a16:creationId xmlns:a16="http://schemas.microsoft.com/office/drawing/2014/main" xmlns="" id="{A07C629A-23F8-22E7-0046-C795B342BC53}"/>
               </a:ext>
             </a:extLst>
           </p:cNvPr>
@@ -4531,7 +4724,7 @@
           <p:cNvPr id="53" name="TextBox 52">
             <a:extLst>
               <a:ext uri="{FF2B5EF4-FFF2-40B4-BE49-F238E27FC236}">
-                <a16:creationId xmlns:a16="http://schemas.microsoft.com/office/drawing/2014/main" id="{5C16C03D-B7A2-5F20-BC43-27D5FEB1B98D}"/>
+                <a16:creationId xmlns:a16="http://schemas.microsoft.com/office/drawing/2014/main" xmlns="" id="{5C16C03D-B7A2-5F20-BC43-27D5FEB1B98D}"/>
               </a:ext>
             </a:extLst>
           </p:cNvPr>
@@ -4567,7 +4760,7 @@
           <p:cNvPr id="54" name="TextBox 53">
             <a:extLst>
               <a:ext uri="{FF2B5EF4-FFF2-40B4-BE49-F238E27FC236}">
-                <a16:creationId xmlns:a16="http://schemas.microsoft.com/office/drawing/2014/main" id="{1F573C92-88A7-21D8-C785-9C82609F5D7C}"/>
+                <a16:creationId xmlns:a16="http://schemas.microsoft.com/office/drawing/2014/main" xmlns="" id="{1F573C92-88A7-21D8-C785-9C82609F5D7C}"/>
               </a:ext>
             </a:extLst>
           </p:cNvPr>
@@ -4576,8 +4769,8 @@
         </p:nvSpPr>
         <p:spPr>
           <a:xfrm>
-            <a:off x="4746732" y="499872"/>
-            <a:ext cx="1767984" cy="369332"/>
+            <a:off x="4572000" y="499872"/>
+            <a:ext cx="2958859" cy="369332"/>
           </a:xfrm>
           <a:prstGeom prst="rect">
             <a:avLst/>
@@ -4585,16 +4778,16 @@
           <a:noFill/>
         </p:spPr>
         <p:txBody>
-          <a:bodyPr wrap="none" rtlCol="0">
+          <a:bodyPr wrap="square" rtlCol="0">
             <a:spAutoFit/>
           </a:bodyPr>
           <a:lstStyle/>
           <a:p>
             <a:r>
-              <a:rPr lang="en-US" dirty="0"/>
+              <a:rPr lang="en-US" b="1" u="sng" dirty="0"/>
               <a:t>Work Eco system</a:t>
             </a:r>
-            <a:endParaRPr lang="en-IN" dirty="0"/>
+            <a:endParaRPr lang="en-IN" b="1" u="sng" dirty="0"/>
           </a:p>
         </p:txBody>
       </p:sp>
@@ -4603,7 +4796,7 @@
           <p:cNvPr id="58" name="Picture 57">
             <a:extLst>
               <a:ext uri="{FF2B5EF4-FFF2-40B4-BE49-F238E27FC236}">
-                <a16:creationId xmlns:a16="http://schemas.microsoft.com/office/drawing/2014/main" id="{A080D6CD-0DF9-7AA4-0E56-2134221ACB74}"/>
+                <a16:creationId xmlns:a16="http://schemas.microsoft.com/office/drawing/2014/main" xmlns="" id="{A080D6CD-0DF9-7AA4-0E56-2134221ACB74}"/>
               </a:ext>
             </a:extLst>
           </p:cNvPr>
@@ -4613,7 +4806,7 @@
           <p:nvPr/>
         </p:nvPicPr>
         <p:blipFill>
-          <a:blip r:embed="rId10">
+          <a:blip r:embed="rId10" cstate="print">
             <a:extLst>
               <a:ext uri="{28A0092B-C50C-407E-A947-70E740481C1C}">
                 <a14:useLocalDpi xmlns:a14="http://schemas.microsoft.com/office/drawing/2010/main" val="0"/>
@@ -4639,7 +4832,7 @@
           <p:cNvPr id="59" name="Picture 58">
             <a:extLst>
               <a:ext uri="{FF2B5EF4-FFF2-40B4-BE49-F238E27FC236}">
-                <a16:creationId xmlns:a16="http://schemas.microsoft.com/office/drawing/2014/main" id="{7B6A0282-6665-F92B-51D4-52DD347E9E9F}"/>
+                <a16:creationId xmlns:a16="http://schemas.microsoft.com/office/drawing/2014/main" xmlns="" id="{7B6A0282-6665-F92B-51D4-52DD347E9E9F}"/>
               </a:ext>
             </a:extLst>
           </p:cNvPr>
@@ -4649,7 +4842,7 @@
           <p:nvPr/>
         </p:nvPicPr>
         <p:blipFill>
-          <a:blip r:embed="rId10">
+          <a:blip r:embed="rId10" cstate="print">
             <a:extLst>
               <a:ext uri="{28A0092B-C50C-407E-A947-70E740481C1C}">
                 <a14:useLocalDpi xmlns:a14="http://schemas.microsoft.com/office/drawing/2010/main" val="0"/>
@@ -4675,7 +4868,7 @@
           <p:cNvPr id="60" name="Picture 59">
             <a:extLst>
               <a:ext uri="{FF2B5EF4-FFF2-40B4-BE49-F238E27FC236}">
-                <a16:creationId xmlns:a16="http://schemas.microsoft.com/office/drawing/2014/main" id="{F4C0E80B-F80E-EB8B-1F63-EF6CB3F70B42}"/>
+                <a16:creationId xmlns:a16="http://schemas.microsoft.com/office/drawing/2014/main" xmlns="" id="{F4C0E80B-F80E-EB8B-1F63-EF6CB3F70B42}"/>
               </a:ext>
             </a:extLst>
           </p:cNvPr>
@@ -4685,7 +4878,7 @@
           <p:nvPr/>
         </p:nvPicPr>
         <p:blipFill>
-          <a:blip r:embed="rId10">
+          <a:blip r:embed="rId10" cstate="print">
             <a:extLst>
               <a:ext uri="{28A0092B-C50C-407E-A947-70E740481C1C}">
                 <a14:useLocalDpi xmlns:a14="http://schemas.microsoft.com/office/drawing/2010/main" val="0"/>
@@ -4716,6 +4909,13 @@
   <p:clrMapOvr>
     <a:masterClrMapping/>
   </p:clrMapOvr>
+  <p:timing>
+    <p:tnLst>
+      <p:par>
+        <p:cTn id="1" dur="indefinite" restart="never" nodeType="tmRoot"/>
+      </p:par>
+    </p:tnLst>
+  </p:timing>
 </p:sld>
 </file>
 
@@ -4741,7 +4941,7 @@
           <p:cNvPr id="5" name="Picture 4">
             <a:extLst>
               <a:ext uri="{FF2B5EF4-FFF2-40B4-BE49-F238E27FC236}">
-                <a16:creationId xmlns:a16="http://schemas.microsoft.com/office/drawing/2014/main" id="{BDCCE38A-E551-6C1A-1A5F-C8C3DACA53DF}"/>
+                <a16:creationId xmlns:a16="http://schemas.microsoft.com/office/drawing/2014/main" xmlns="" id="{BDCCE38A-E551-6C1A-1A5F-C8C3DACA53DF}"/>
               </a:ext>
             </a:extLst>
           </p:cNvPr>
@@ -4777,7 +4977,7 @@
           <p:cNvPr id="2" name="Title 1">
             <a:extLst>
               <a:ext uri="{FF2B5EF4-FFF2-40B4-BE49-F238E27FC236}">
-                <a16:creationId xmlns:a16="http://schemas.microsoft.com/office/drawing/2014/main" id="{A0A60301-830C-75C5-EC3E-F3B29C2B0051}"/>
+                <a16:creationId xmlns:a16="http://schemas.microsoft.com/office/drawing/2014/main" xmlns="" id="{A0A60301-830C-75C5-EC3E-F3B29C2B0051}"/>
               </a:ext>
             </a:extLst>
           </p:cNvPr>
@@ -4788,13 +4988,21 @@
             <p:ph type="title"/>
           </p:nvPr>
         </p:nvSpPr>
-        <p:spPr/>
+        <p:spPr>
+          <a:xfrm>
+            <a:off x="122306" y="0"/>
+            <a:ext cx="2957324" cy="1143000"/>
+          </a:xfrm>
+        </p:spPr>
         <p:txBody>
           <a:bodyPr/>
           <a:lstStyle/>
           <a:p>
-            <a:r>
-              <a:rPr lang="en-US" b="1" dirty="0">
+            <a:pPr marL="0" indent="0">
+              <a:buNone/>
+            </a:pPr>
+            <a:r>
+              <a:rPr lang="en-US" u="sng" dirty="0">
                 <a:ln w="22225">
                   <a:solidFill>
                     <a:schemeClr val="accent2"/>
@@ -4802,15 +5010,12 @@
                   <a:prstDash val="solid"/>
                 </a:ln>
                 <a:solidFill>
-                  <a:schemeClr val="accent2">
-                    <a:lumMod val="40000"/>
-                    <a:lumOff val="60000"/>
-                  </a:schemeClr>
+                  <a:schemeClr val="accent3"/>
                 </a:solidFill>
               </a:rPr>
               <a:t>Benefits</a:t>
             </a:r>
-            <a:endParaRPr lang="en-IN" b="1" dirty="0">
+            <a:endParaRPr lang="en-IN" u="sng" dirty="0">
               <a:ln w="22225">
                 <a:solidFill>
                   <a:schemeClr val="accent2"/>
@@ -4818,10 +5023,7 @@
                 <a:prstDash val="solid"/>
               </a:ln>
               <a:solidFill>
-                <a:schemeClr val="accent2">
-                  <a:lumMod val="40000"/>
-                  <a:lumOff val="60000"/>
-                </a:schemeClr>
+                <a:schemeClr val="accent3"/>
               </a:solidFill>
             </a:endParaRPr>
           </a:p>
@@ -4832,7 +5034,7 @@
           <p:cNvPr id="3" name="Content Placeholder 2">
             <a:extLst>
               <a:ext uri="{FF2B5EF4-FFF2-40B4-BE49-F238E27FC236}">
-                <a16:creationId xmlns:a16="http://schemas.microsoft.com/office/drawing/2014/main" id="{B60F1074-7AE3-27BC-CE71-AA8FEEE25C84}"/>
+                <a16:creationId xmlns:a16="http://schemas.microsoft.com/office/drawing/2014/main" xmlns="" id="{B60F1074-7AE3-27BC-CE71-AA8FEEE25C84}"/>
               </a:ext>
             </a:extLst>
           </p:cNvPr>
@@ -4843,33 +5045,27 @@
             <p:ph idx="1"/>
           </p:nvPr>
         </p:nvSpPr>
-        <p:spPr/>
-        <p:txBody>
-          <a:bodyPr/>
-          <a:lstStyle/>
-          <a:p>
+        <p:spPr>
+          <a:xfrm>
+            <a:off x="158496" y="1130061"/>
+            <a:ext cx="8534400" cy="5167222"/>
+          </a:xfrm>
+        </p:spPr>
+        <p:txBody>
+          <a:bodyPr>
+            <a:normAutofit/>
+          </a:bodyPr>
+          <a:lstStyle/>
+          <a:p>
+            <a:pPr marL="45720" indent="0">
+              <a:buNone/>
+            </a:pPr>
             <a:r>
               <a:rPr lang="en-US" dirty="0">
                 <a:ln w="0"/>
-                <a:gradFill>
-                  <a:gsLst>
-                    <a:gs pos="0">
-                      <a:schemeClr val="accent5">
-                        <a:lumMod val="50000"/>
-                      </a:schemeClr>
-                    </a:gs>
-                    <a:gs pos="50000">
-                      <a:schemeClr val="accent5"/>
-                    </a:gs>
-                    <a:gs pos="100000">
-                      <a:schemeClr val="accent5">
-                        <a:lumMod val="60000"/>
-                        <a:lumOff val="40000"/>
-                      </a:schemeClr>
-                    </a:gs>
-                  </a:gsLst>
-                  <a:lin ang="5400000"/>
-                </a:gradFill>
+                <a:solidFill>
+                  <a:schemeClr val="tx1"/>
+                </a:solidFill>
                 <a:effectLst>
                   <a:reflection blurRad="6350" stA="53000" endA="300" endPos="35500" dir="5400000" sy="-90000" algn="bl" rotWithShape="0"/>
                 </a:effectLst>
@@ -4878,28 +5074,15 @@
             </a:r>
           </a:p>
           <a:p>
+            <a:pPr marL="45720" indent="0">
+              <a:buNone/>
+            </a:pPr>
             <a:r>
               <a:rPr lang="en-US" dirty="0">
                 <a:ln w="0"/>
-                <a:gradFill>
-                  <a:gsLst>
-                    <a:gs pos="0">
-                      <a:schemeClr val="accent5">
-                        <a:lumMod val="50000"/>
-                      </a:schemeClr>
-                    </a:gs>
-                    <a:gs pos="50000">
-                      <a:schemeClr val="accent5"/>
-                    </a:gs>
-                    <a:gs pos="100000">
-                      <a:schemeClr val="accent5">
-                        <a:lumMod val="60000"/>
-                        <a:lumOff val="40000"/>
-                      </a:schemeClr>
-                    </a:gs>
-                  </a:gsLst>
-                  <a:lin ang="5400000"/>
-                </a:gradFill>
+                <a:solidFill>
+                  <a:schemeClr val="tx1"/>
+                </a:solidFill>
                 <a:effectLst>
                   <a:reflection blurRad="6350" stA="53000" endA="300" endPos="35500" dir="5400000" sy="-90000" algn="bl" rotWithShape="0"/>
                 </a:effectLst>
@@ -4908,58 +5091,67 @@
             </a:r>
           </a:p>
           <a:p>
+            <a:pPr marL="45720" indent="0">
+              <a:buNone/>
+            </a:pPr>
             <a:r>
               <a:rPr lang="en-US" dirty="0">
                 <a:ln w="0"/>
-                <a:gradFill>
-                  <a:gsLst>
-                    <a:gs pos="0">
-                      <a:schemeClr val="accent5">
-                        <a:lumMod val="50000"/>
-                      </a:schemeClr>
-                    </a:gs>
-                    <a:gs pos="50000">
-                      <a:schemeClr val="accent5"/>
-                    </a:gs>
-                    <a:gs pos="100000">
-                      <a:schemeClr val="accent5">
-                        <a:lumMod val="60000"/>
-                        <a:lumOff val="40000"/>
-                      </a:schemeClr>
-                    </a:gs>
-                  </a:gsLst>
-                  <a:lin ang="5400000"/>
-                </a:gradFill>
+                <a:solidFill>
+                  <a:schemeClr val="tx1"/>
+                </a:solidFill>
                 <a:effectLst>
                   <a:reflection blurRad="6350" stA="53000" endA="300" endPos="35500" dir="5400000" sy="-90000" algn="bl" rotWithShape="0"/>
                 </a:effectLst>
               </a:rPr>
-              <a:t>3. AI help reduce error and expedite process</a:t>
-            </a:r>
-          </a:p>
-          <a:p>
+              <a:t>3. AI help reduce error and expedite </a:t>
+            </a:r>
+            <a:endParaRPr lang="en-US" dirty="0" smtClean="0">
+              <a:ln w="0"/>
+              <a:solidFill>
+                <a:schemeClr val="tx1"/>
+              </a:solidFill>
+              <a:effectLst>
+                <a:reflection blurRad="6350" stA="53000" endA="300" endPos="35500" dir="5400000" sy="-90000" algn="bl" rotWithShape="0"/>
+              </a:effectLst>
+            </a:endParaRPr>
+          </a:p>
+          <a:p>
+            <a:pPr marL="45720" indent="0">
+              <a:buNone/>
+            </a:pPr>
+            <a:r>
+              <a:rPr lang="en-US" dirty="0" smtClean="0">
+                <a:ln w="0"/>
+                <a:solidFill>
+                  <a:schemeClr val="tx1"/>
+                </a:solidFill>
+                <a:effectLst>
+                  <a:reflection blurRad="6350" stA="53000" endA="300" endPos="35500" dir="5400000" sy="-90000" algn="bl" rotWithShape="0"/>
+                </a:effectLst>
+              </a:rPr>
+              <a:t>process</a:t>
+            </a:r>
+            <a:endParaRPr lang="en-US" dirty="0">
+              <a:ln w="0"/>
+              <a:solidFill>
+                <a:schemeClr val="tx1"/>
+              </a:solidFill>
+              <a:effectLst>
+                <a:reflection blurRad="6350" stA="53000" endA="300" endPos="35500" dir="5400000" sy="-90000" algn="bl" rotWithShape="0"/>
+              </a:effectLst>
+            </a:endParaRPr>
+          </a:p>
+          <a:p>
+            <a:pPr marL="45720" indent="0">
+              <a:buNone/>
+            </a:pPr>
             <a:r>
               <a:rPr lang="en-US" dirty="0">
                 <a:ln w="0"/>
-                <a:gradFill>
-                  <a:gsLst>
-                    <a:gs pos="0">
-                      <a:schemeClr val="accent5">
-                        <a:lumMod val="50000"/>
-                      </a:schemeClr>
-                    </a:gs>
-                    <a:gs pos="50000">
-                      <a:schemeClr val="accent5"/>
-                    </a:gs>
-                    <a:gs pos="100000">
-                      <a:schemeClr val="accent5">
-                        <a:lumMod val="60000"/>
-                        <a:lumOff val="40000"/>
-                      </a:schemeClr>
-                    </a:gs>
-                  </a:gsLst>
-                  <a:lin ang="5400000"/>
-                </a:gradFill>
+                <a:solidFill>
+                  <a:schemeClr val="tx1"/>
+                </a:solidFill>
                 <a:effectLst>
                   <a:reflection blurRad="6350" stA="53000" endA="300" endPos="35500" dir="5400000" sy="-90000" algn="bl" rotWithShape="0"/>
                 </a:effectLst>
@@ -4968,28 +5160,15 @@
             </a:r>
           </a:p>
           <a:p>
+            <a:pPr marL="45720" indent="0">
+              <a:buNone/>
+            </a:pPr>
             <a:r>
               <a:rPr lang="en-US" dirty="0">
                 <a:ln w="0"/>
-                <a:gradFill>
-                  <a:gsLst>
-                    <a:gs pos="0">
-                      <a:schemeClr val="accent5">
-                        <a:lumMod val="50000"/>
-                      </a:schemeClr>
-                    </a:gs>
-                    <a:gs pos="50000">
-                      <a:schemeClr val="accent5"/>
-                    </a:gs>
-                    <a:gs pos="100000">
-                      <a:schemeClr val="accent5">
-                        <a:lumMod val="60000"/>
-                        <a:lumOff val="40000"/>
-                      </a:schemeClr>
-                    </a:gs>
-                  </a:gsLst>
-                  <a:lin ang="5400000"/>
-                </a:gradFill>
+                <a:solidFill>
+                  <a:schemeClr val="tx1"/>
+                </a:solidFill>
                 <a:effectLst>
                   <a:reflection blurRad="6350" stA="53000" endA="300" endPos="35500" dir="5400000" sy="-90000" algn="bl" rotWithShape="0"/>
                 </a:effectLst>
@@ -4998,60 +5177,69 @@
             </a:r>
           </a:p>
           <a:p>
+            <a:pPr marL="45720" indent="0">
+              <a:buNone/>
+            </a:pPr>
             <a:r>
               <a:rPr lang="en-US" dirty="0">
                 <a:ln w="0"/>
-                <a:gradFill>
-                  <a:gsLst>
-                    <a:gs pos="0">
-                      <a:schemeClr val="accent5">
-                        <a:lumMod val="50000"/>
-                      </a:schemeClr>
-                    </a:gs>
-                    <a:gs pos="50000">
-                      <a:schemeClr val="accent5"/>
-                    </a:gs>
-                    <a:gs pos="100000">
-                      <a:schemeClr val="accent5">
-                        <a:lumMod val="60000"/>
-                        <a:lumOff val="40000"/>
-                      </a:schemeClr>
-                    </a:gs>
-                  </a:gsLst>
-                  <a:lin ang="5400000"/>
-                </a:gradFill>
+                <a:solidFill>
+                  <a:schemeClr val="tx1"/>
+                </a:solidFill>
                 <a:effectLst>
                   <a:reflection blurRad="6350" stA="53000" endA="300" endPos="35500" dir="5400000" sy="-90000" algn="bl" rotWithShape="0"/>
                 </a:effectLst>
               </a:rPr>
-              <a:t>6. domains : aero, marine, automobile, medical etc.,</a:t>
-            </a:r>
-            <a:endParaRPr lang="en-IN" dirty="0">
+              <a:t>6. domains : aero, marine, automobile, </a:t>
+            </a:r>
+            <a:endParaRPr lang="en-US" dirty="0" smtClean="0">
               <a:ln w="0"/>
-              <a:gradFill>
-                <a:gsLst>
-                  <a:gs pos="0">
-                    <a:schemeClr val="accent5">
-                      <a:lumMod val="50000"/>
-                    </a:schemeClr>
-                  </a:gs>
-                  <a:gs pos="50000">
-                    <a:schemeClr val="accent5"/>
-                  </a:gs>
-                  <a:gs pos="100000">
-                    <a:schemeClr val="accent5">
-                      <a:lumMod val="60000"/>
-                      <a:lumOff val="40000"/>
-                    </a:schemeClr>
-                  </a:gs>
-                </a:gsLst>
-                <a:lin ang="5400000"/>
-              </a:gradFill>
+              <a:solidFill>
+                <a:schemeClr val="tx1"/>
+              </a:solidFill>
               <a:effectLst>
                 <a:reflection blurRad="6350" stA="53000" endA="300" endPos="35500" dir="5400000" sy="-90000" algn="bl" rotWithShape="0"/>
               </a:effectLst>
             </a:endParaRPr>
           </a:p>
+          <a:p>
+            <a:pPr marL="45720" indent="0">
+              <a:buNone/>
+            </a:pPr>
+            <a:r>
+              <a:rPr lang="en-US" dirty="0" smtClean="0">
+                <a:ln w="0"/>
+                <a:solidFill>
+                  <a:schemeClr val="tx1"/>
+                </a:solidFill>
+                <a:effectLst>
+                  <a:reflection blurRad="6350" stA="53000" endA="300" endPos="35500" dir="5400000" sy="-90000" algn="bl" rotWithShape="0"/>
+                </a:effectLst>
+              </a:rPr>
+              <a:t>medical </a:t>
+            </a:r>
+            <a:r>
+              <a:rPr lang="en-US" dirty="0">
+                <a:ln w="0"/>
+                <a:solidFill>
+                  <a:schemeClr val="tx1"/>
+                </a:solidFill>
+                <a:effectLst>
+                  <a:reflection blurRad="6350" stA="53000" endA="300" endPos="35500" dir="5400000" sy="-90000" algn="bl" rotWithShape="0"/>
+                </a:effectLst>
+              </a:rPr>
+              <a:t>etc.,</a:t>
+            </a:r>
+            <a:endParaRPr lang="en-IN" dirty="0">
+              <a:ln w="0"/>
+              <a:solidFill>
+                <a:schemeClr val="tx1"/>
+              </a:solidFill>
+              <a:effectLst>
+                <a:reflection blurRad="6350" stA="53000" endA="300" endPos="35500" dir="5400000" sy="-90000" algn="bl" rotWithShape="0"/>
+              </a:effectLst>
+            </a:endParaRPr>
+          </a:p>
         </p:txBody>
       </p:sp>
       <p:sp>
@@ -5059,7 +5247,7 @@
           <p:cNvPr id="6" name="Rectangle 5">
             <a:extLst>
               <a:ext uri="{FF2B5EF4-FFF2-40B4-BE49-F238E27FC236}">
-                <a16:creationId xmlns:a16="http://schemas.microsoft.com/office/drawing/2014/main" id="{8B75D2ED-4227-3C28-BA23-7BBBF7C2F5D2}"/>
+                <a16:creationId xmlns:a16="http://schemas.microsoft.com/office/drawing/2014/main" xmlns="" id="{8B75D2ED-4227-3C28-BA23-7BBBF7C2F5D2}"/>
               </a:ext>
             </a:extLst>
           </p:cNvPr>
@@ -5118,111 +5306,201 @@
   <p:clrMapOvr>
     <a:masterClrMapping/>
   </p:clrMapOvr>
+  <p:timing>
+    <p:tnLst>
+      <p:par>
+        <p:cTn id="1" dur="indefinite" restart="never" nodeType="tmRoot"/>
+      </p:par>
+    </p:tnLst>
+  </p:timing>
+</p:sld>
+</file>
+
+<file path=ppt/slides/slide5.xml><?xml version="1.0" encoding="utf-8"?>
+<p:sld xmlns:a="http://schemas.openxmlformats.org/drawingml/2006/main" xmlns:r="http://schemas.openxmlformats.org/officeDocument/2006/relationships" xmlns:p="http://schemas.openxmlformats.org/presentationml/2006/main">
+  <p:cSld>
+    <p:spTree>
+      <p:nvGrpSpPr>
+        <p:cNvPr id="1" name=""/>
+        <p:cNvGrpSpPr/>
+        <p:nvPr/>
+      </p:nvGrpSpPr>
+      <p:grpSpPr>
+        <a:xfrm>
+          <a:off x="0" y="0"/>
+          <a:ext cx="0" cy="0"/>
+          <a:chOff x="0" y="0"/>
+          <a:chExt cx="0" cy="0"/>
+        </a:xfrm>
+      </p:grpSpPr>
+      <p:sp>
+        <p:nvSpPr>
+          <p:cNvPr id="2" name="Title 1"/>
+          <p:cNvSpPr>
+            <a:spLocks noGrp="1"/>
+          </p:cNvSpPr>
+          <p:nvPr>
+            <p:ph type="title"/>
+          </p:nvPr>
+        </p:nvSpPr>
+        <p:spPr>
+          <a:xfrm>
+            <a:off x="155275" y="2314696"/>
+            <a:ext cx="11041812" cy="2136534"/>
+          </a:xfrm>
+        </p:spPr>
+        <p:txBody>
+          <a:bodyPr>
+            <a:normAutofit/>
+            <a:scene3d>
+              <a:camera prst="orthographicFront"/>
+              <a:lightRig rig="flat" dir="tl">
+                <a:rot lat="0" lon="0" rev="6600000"/>
+              </a:lightRig>
+            </a:scene3d>
+            <a:sp3d extrusionH="25400" contourW="8890">
+              <a:bevelT w="38100" h="31750"/>
+              <a:contourClr>
+                <a:schemeClr val="accent2">
+                  <a:shade val="75000"/>
+                </a:schemeClr>
+              </a:contourClr>
+            </a:sp3d>
+          </a:bodyPr>
+          <a:lstStyle/>
+          <a:p>
+            <a:pPr marL="0" indent="0" algn="ctr">
+              <a:buNone/>
+            </a:pPr>
+            <a:r>
+              <a:rPr lang="en-US" b="1" dirty="0" smtClean="0">
+                <a:ln w="11430"/>
+                <a:solidFill>
+                  <a:schemeClr val="accent3"/>
+                </a:solidFill>
+                <a:effectLst>
+                  <a:outerShdw blurRad="50800" dist="39000" dir="5460000" algn="tl">
+                    <a:srgbClr val="000000">
+                      <a:alpha val="38000"/>
+                    </a:srgbClr>
+                  </a:outerShdw>
+                </a:effectLst>
+              </a:rPr>
+              <a:t>Thank You </a:t>
+            </a:r>
+            <a:endParaRPr lang="en-IN" b="1" dirty="0">
+              <a:ln w="11430"/>
+              <a:solidFill>
+                <a:schemeClr val="accent3"/>
+              </a:solidFill>
+              <a:effectLst>
+                <a:outerShdw blurRad="50800" dist="39000" dir="5460000" algn="tl">
+                  <a:srgbClr val="000000">
+                    <a:alpha val="38000"/>
+                  </a:srgbClr>
+                </a:outerShdw>
+              </a:effectLst>
+            </a:endParaRPr>
+          </a:p>
+        </p:txBody>
+      </p:sp>
+      <p:sp>
+        <p:nvSpPr>
+          <p:cNvPr id="3" name="Content Placeholder 2"/>
+          <p:cNvSpPr>
+            <a:spLocks noGrp="1"/>
+          </p:cNvSpPr>
+          <p:nvPr>
+            <p:ph idx="1"/>
+          </p:nvPr>
+        </p:nvSpPr>
+        <p:spPr>
+          <a:xfrm>
+            <a:off x="1429110" y="2018580"/>
+            <a:ext cx="8534400" cy="2317055"/>
+          </a:xfrm>
+        </p:spPr>
+        <p:txBody>
+          <a:bodyPr/>
+          <a:lstStyle/>
+          <a:p>
+            <a:pPr marL="45720" indent="0">
+              <a:buNone/>
+            </a:pPr>
+            <a:endParaRPr lang="en-US" b="1" u="sng" dirty="0" smtClean="0"/>
+          </a:p>
+        </p:txBody>
+      </p:sp>
+    </p:spTree>
+    <p:extLst>
+      <p:ext uri="{BB962C8B-B14F-4D97-AF65-F5344CB8AC3E}">
+        <p14:creationId xmlns:p14="http://schemas.microsoft.com/office/powerpoint/2010/main" val="182831288"/>
+      </p:ext>
+    </p:extLst>
+  </p:cSld>
+  <p:clrMapOvr>
+    <a:masterClrMapping/>
+  </p:clrMapOvr>
+  <p:timing>
+    <p:tnLst>
+      <p:par>
+        <p:cTn id="1" dur="indefinite" restart="never" nodeType="tmRoot"/>
+      </p:par>
+    </p:tnLst>
+  </p:timing>
 </p:sld>
 </file>
 
 <file path=ppt/theme/theme1.xml><?xml version="1.0" encoding="utf-8"?>
-<a:theme xmlns:a="http://schemas.openxmlformats.org/drawingml/2006/main" name="Office Theme">
+<a:theme xmlns:a="http://schemas.openxmlformats.org/drawingml/2006/main" name="Clarity">
   <a:themeElements>
-    <a:clrScheme name="Office">
+    <a:clrScheme name="Clarity">
       <a:dk1>
-        <a:sysClr val="windowText" lastClr="000000"/>
+        <a:srgbClr val="292934"/>
       </a:dk1>
       <a:lt1>
-        <a:sysClr val="window" lastClr="FFFFFF"/>
+        <a:srgbClr val="FFFFFF"/>
       </a:lt1>
       <a:dk2>
-        <a:srgbClr val="44546A"/>
+        <a:srgbClr val="D2533C"/>
       </a:dk2>
       <a:lt2>
-        <a:srgbClr val="E7E6E6"/>
+        <a:srgbClr val="F3F2DC"/>
       </a:lt2>
       <a:accent1>
-        <a:srgbClr val="4472C4"/>
+        <a:srgbClr val="93A299"/>
       </a:accent1>
       <a:accent2>
-        <a:srgbClr val="ED7D31"/>
+        <a:srgbClr val="AD8F67"/>
       </a:accent2>
       <a:accent3>
-        <a:srgbClr val="A5A5A5"/>
+        <a:srgbClr val="726056"/>
       </a:accent3>
       <a:accent4>
-        <a:srgbClr val="FFC000"/>
+        <a:srgbClr val="4C5A6A"/>
       </a:accent4>
       <a:accent5>
-        <a:srgbClr val="5B9BD5"/>
+        <a:srgbClr val="808DA0"/>
       </a:accent5>
       <a:accent6>
-        <a:srgbClr val="70AD47"/>
+        <a:srgbClr val="79463D"/>
       </a:accent6>
       <a:hlink>
-        <a:srgbClr val="0563C1"/>
+        <a:srgbClr val="0000FF"/>
       </a:hlink>
       <a:folHlink>
-        <a:srgbClr val="954F72"/>
+        <a:srgbClr val="800080"/>
       </a:folHlink>
     </a:clrScheme>
-    <a:fontScheme name="Office">
+    <a:fontScheme name="Office Classic 2">
       <a:majorFont>
-        <a:latin typeface="Calibri Light" panose="020F0302020204030204"/>
+        <a:latin typeface="Arial"/>
         <a:ea typeface=""/>
         <a:cs typeface=""/>
-        <a:font script="Jpan" typeface="游ゴシック Light"/>
-        <a:font script="Hang" typeface="맑은 고딕"/>
-        <a:font script="Hans" typeface="等线 Light"/>
-        <a:font script="Hant" typeface="新細明體"/>
-        <a:font script="Arab" typeface="Times New Roman"/>
-        <a:font script="Hebr" typeface="Times New Roman"/>
-        <a:font script="Thai" typeface="Angsana New"/>
-        <a:font script="Ethi" typeface="Nyala"/>
-        <a:font script="Beng" typeface="Vrinda"/>
-        <a:font script="Gujr" typeface="Shruti"/>
-        <a:font script="Khmr" typeface="MoolBoran"/>
-        <a:font script="Knda" typeface="Tunga"/>
-        <a:font script="Guru" typeface="Raavi"/>
-        <a:font script="Cans" typeface="Euphemia"/>
-        <a:font script="Cher" typeface="Plantagenet Cherokee"/>
-        <a:font script="Yiii" typeface="Microsoft Yi Baiti"/>
-        <a:font script="Tibt" typeface="Microsoft Himalaya"/>
-        <a:font script="Thaa" typeface="MV Boli"/>
-        <a:font script="Deva" typeface="Mangal"/>
-        <a:font script="Telu" typeface="Gautami"/>
-        <a:font script="Taml" typeface="Latha"/>
-        <a:font script="Syrc" typeface="Estrangelo Edessa"/>
-        <a:font script="Orya" typeface="Kalinga"/>
-        <a:font script="Mlym" typeface="Kartika"/>
-        <a:font script="Laoo" typeface="DokChampa"/>
-        <a:font script="Sinh" typeface="Iskoola Pota"/>
-        <a:font script="Mong" typeface="Mongolian Baiti"/>
-        <a:font script="Viet" typeface="Times New Roman"/>
-        <a:font script="Uigh" typeface="Microsoft Uighur"/>
-        <a:font script="Geor" typeface="Sylfaen"/>
-        <a:font script="Armn" typeface="Arial"/>
-        <a:font script="Bugi" typeface="Leelawadee UI"/>
-        <a:font script="Bopo" typeface="Microsoft JhengHei"/>
-        <a:font script="Java" typeface="Javanese Text"/>
-        <a:font script="Lisu" typeface="Segoe UI"/>
-        <a:font script="Mymr" typeface="Myanmar Text"/>
-        <a:font script="Nkoo" typeface="Ebrima"/>
-        <a:font script="Olck" typeface="Nirmala UI"/>
-        <a:font script="Osma" typeface="Ebrima"/>
-        <a:font script="Phag" typeface="Phagspa"/>
-        <a:font script="Syrn" typeface="Estrangelo Edessa"/>
-        <a:font script="Syrj" typeface="Estrangelo Edessa"/>
-        <a:font script="Syre" typeface="Estrangelo Edessa"/>
-        <a:font script="Sora" typeface="Nirmala UI"/>
-        <a:font script="Tale" typeface="Microsoft Tai Le"/>
-        <a:font script="Talu" typeface="Microsoft New Tai Lue"/>
-        <a:font script="Tfng" typeface="Ebrima"/>
-      </a:majorFont>
-      <a:minorFont>
-        <a:latin typeface="Calibri" panose="020F0502020204030204"/>
-        <a:ea typeface=""/>
-        <a:cs typeface=""/>
-        <a:font script="Jpan" typeface="游ゴシック"/>
-        <a:font script="Hang" typeface="맑은 고딕"/>
-        <a:font script="Hans" typeface="等线"/>
-        <a:font script="Hant" typeface="新細明體"/>
+        <a:font script="Jpan" typeface="ＭＳ Ｐゴシック"/>
+        <a:font script="Hang" typeface="돋움"/>
+        <a:font script="Hans" typeface="方正舒体"/>
+        <a:font script="Hant" typeface="微軟正黑體"/>
         <a:font script="Arab" typeface="Arial"/>
         <a:font script="Hebr" typeface="Arial"/>
         <a:font script="Thai" typeface="Cordia New"/>
@@ -5249,26 +5527,44 @@
         <a:font script="Viet" typeface="Arial"/>
         <a:font script="Uigh" typeface="Microsoft Uighur"/>
         <a:font script="Geor" typeface="Sylfaen"/>
-        <a:font script="Armn" typeface="Arial"/>
-        <a:font script="Bugi" typeface="Leelawadee UI"/>
-        <a:font script="Bopo" typeface="Microsoft JhengHei"/>
-        <a:font script="Java" typeface="Javanese Text"/>
-        <a:font script="Lisu" typeface="Segoe UI"/>
-        <a:font script="Mymr" typeface="Myanmar Text"/>
-        <a:font script="Nkoo" typeface="Ebrima"/>
-        <a:font script="Olck" typeface="Nirmala UI"/>
-        <a:font script="Osma" typeface="Ebrima"/>
-        <a:font script="Phag" typeface="Phagspa"/>
-        <a:font script="Syrn" typeface="Estrangelo Edessa"/>
-        <a:font script="Syrj" typeface="Estrangelo Edessa"/>
-        <a:font script="Syre" typeface="Estrangelo Edessa"/>
-        <a:font script="Sora" typeface="Nirmala UI"/>
-        <a:font script="Tale" typeface="Microsoft Tai Le"/>
-        <a:font script="Talu" typeface="Microsoft New Tai Lue"/>
-        <a:font script="Tfng" typeface="Ebrima"/>
+      </a:majorFont>
+      <a:minorFont>
+        <a:latin typeface="Arial"/>
+        <a:ea typeface=""/>
+        <a:cs typeface=""/>
+        <a:font script="Jpan" typeface="ＭＳ Ｐゴシック"/>
+        <a:font script="Hang" typeface="돋움"/>
+        <a:font script="Hans" typeface="方正舒体"/>
+        <a:font script="Hant" typeface="微軟正黑體"/>
+        <a:font script="Arab" typeface="Arial"/>
+        <a:font script="Hebr" typeface="Arial"/>
+        <a:font script="Thai" typeface="Cordia New"/>
+        <a:font script="Ethi" typeface="Nyala"/>
+        <a:font script="Beng" typeface="Vrinda"/>
+        <a:font script="Gujr" typeface="Shruti"/>
+        <a:font script="Khmr" typeface="DaunPenh"/>
+        <a:font script="Knda" typeface="Tunga"/>
+        <a:font script="Guru" typeface="Raavi"/>
+        <a:font script="Cans" typeface="Euphemia"/>
+        <a:font script="Cher" typeface="Plantagenet Cherokee"/>
+        <a:font script="Yiii" typeface="Microsoft Yi Baiti"/>
+        <a:font script="Tibt" typeface="Microsoft Himalaya"/>
+        <a:font script="Thaa" typeface="MV Boli"/>
+        <a:font script="Deva" typeface="Mangal"/>
+        <a:font script="Telu" typeface="Gautami"/>
+        <a:font script="Taml" typeface="Latha"/>
+        <a:font script="Syrc" typeface="Estrangelo Edessa"/>
+        <a:font script="Orya" typeface="Kalinga"/>
+        <a:font script="Mlym" typeface="Kartika"/>
+        <a:font script="Laoo" typeface="DokChampa"/>
+        <a:font script="Sinh" typeface="Iskoola Pota"/>
+        <a:font script="Mong" typeface="Mongolian Baiti"/>
+        <a:font script="Viet" typeface="Arial"/>
+        <a:font script="Uigh" typeface="Microsoft Uighur"/>
+        <a:font script="Geor" typeface="Sylfaen"/>
       </a:minorFont>
     </a:fontScheme>
-    <a:fmtScheme name="Office">
+    <a:fmtScheme name="Clarity">
       <a:fillStyleLst>
         <a:solidFill>
           <a:schemeClr val="phClr"/>
@@ -5277,76 +5573,80 @@
           <a:gsLst>
             <a:gs pos="0">
               <a:schemeClr val="phClr">
-                <a:lumMod val="110000"/>
-                <a:satMod val="105000"/>
-                <a:tint val="67000"/>
+                <a:tint val="50000"/>
+                <a:shade val="86000"/>
+                <a:satMod val="140000"/>
               </a:schemeClr>
             </a:gs>
-            <a:gs pos="50000">
+            <a:gs pos="45000">
               <a:schemeClr val="phClr">
-                <a:lumMod val="105000"/>
-                <a:satMod val="103000"/>
-                <a:tint val="73000"/>
+                <a:tint val="48000"/>
+                <a:satMod val="150000"/>
               </a:schemeClr>
             </a:gs>
             <a:gs pos="100000">
               <a:schemeClr val="phClr">
-                <a:lumMod val="105000"/>
-                <a:satMod val="109000"/>
-                <a:tint val="81000"/>
+                <a:tint val="28000"/>
+                <a:satMod val="160000"/>
               </a:schemeClr>
             </a:gs>
           </a:gsLst>
-          <a:lin ang="5400000" scaled="0"/>
+          <a:path path="circle">
+            <a:fillToRect l="100000" t="100000" r="100000" b="100000"/>
+          </a:path>
         </a:gradFill>
         <a:gradFill rotWithShape="1">
           <a:gsLst>
             <a:gs pos="0">
               <a:schemeClr val="phClr">
-                <a:satMod val="103000"/>
-                <a:lumMod val="102000"/>
-                <a:tint val="94000"/>
+                <a:shade val="70000"/>
+                <a:satMod val="150000"/>
               </a:schemeClr>
             </a:gs>
-            <a:gs pos="50000">
+            <a:gs pos="34000">
               <a:schemeClr val="phClr">
-                <a:satMod val="110000"/>
-                <a:lumMod val="100000"/>
-                <a:shade val="100000"/>
+                <a:shade val="70000"/>
+                <a:satMod val="140000"/>
+              </a:schemeClr>
+            </a:gs>
+            <a:gs pos="70000">
+              <a:schemeClr val="phClr">
+                <a:tint val="100000"/>
+                <a:shade val="90000"/>
+                <a:satMod val="140000"/>
               </a:schemeClr>
             </a:gs>
             <a:gs pos="100000">
               <a:schemeClr val="phClr">
-                <a:lumMod val="99000"/>
-                <a:satMod val="120000"/>
-                <a:shade val="78000"/>
+                <a:tint val="100000"/>
+                <a:shade val="100000"/>
+                <a:satMod val="100000"/>
               </a:schemeClr>
             </a:gs>
           </a:gsLst>
-          <a:lin ang="5400000" scaled="0"/>
+          <a:path path="circle">
+            <a:fillToRect l="100000" t="100000" r="100000" b="100000"/>
+          </a:path>
         </a:gradFill>
       </a:fillStyleLst>
       <a:lnStyleLst>
-        <a:ln w="6350" cap="flat" cmpd="sng" algn="ctr">
+        <a:ln w="9525" cap="flat" cmpd="sng" algn="ctr">
           <a:solidFill>
             <a:schemeClr val="phClr"/>
           </a:solidFill>
           <a:prstDash val="solid"/>
-          <a:miter lim="800000"/>
         </a:ln>
-        <a:ln w="12700" cap="flat" cmpd="sng" algn="ctr">
+        <a:ln w="26425" cap="flat" cmpd="sng" algn="ctr">
           <a:solidFill>
             <a:schemeClr val="phClr"/>
           </a:solidFill>
           <a:prstDash val="solid"/>
-          <a:miter lim="800000"/>
         </a:ln>
-        <a:ln w="19050" cap="flat" cmpd="sng" algn="ctr">
+        <a:ln w="44450" cap="flat" cmpd="sng" algn="ctr">
           <a:solidFill>
             <a:schemeClr val="phClr"/>
           </a:solidFill>
           <a:prstDash val="solid"/>
-          <a:miter lim="800000"/>
         </a:ln>
       </a:lnStyleLst>
       <a:effectStyleLst>
@@ -5354,64 +5654,87 @@
           <a:effectLst/>
         </a:effectStyle>
         <a:effectStyle>
-          <a:effectLst/>
+          <a:effectLst>
+            <a:outerShdw blurRad="38100" dist="25400" dir="2700000" algn="br" rotWithShape="0">
+              <a:srgbClr val="000000">
+                <a:alpha val="60000"/>
+              </a:srgbClr>
+            </a:outerShdw>
+          </a:effectLst>
         </a:effectStyle>
         <a:effectStyle>
           <a:effectLst>
-            <a:outerShdw blurRad="57150" dist="19050" dir="5400000" algn="ctr" rotWithShape="0">
+            <a:outerShdw blurRad="38100" dist="25400" dir="2700000" algn="br" rotWithShape="0">
               <a:srgbClr val="000000">
-                <a:alpha val="63000"/>
+                <a:alpha val="60000"/>
               </a:srgbClr>
             </a:outerShdw>
           </a:effectLst>
+          <a:scene3d>
+            <a:camera prst="orthographicFront">
+              <a:rot lat="0" lon="0" rev="0"/>
+            </a:camera>
+            <a:lightRig rig="balanced" dir="t">
+              <a:rot lat="0" lon="0" rev="5100000"/>
+            </a:lightRig>
+          </a:scene3d>
+          <a:sp3d contourW="6350">
+            <a:bevelT w="29210" h="12700"/>
+            <a:contourClr>
+              <a:schemeClr val="phClr">
+                <a:shade val="30000"/>
+                <a:satMod val="130000"/>
+              </a:schemeClr>
+            </a:contourClr>
+          </a:sp3d>
         </a:effectStyle>
       </a:effectStyleLst>
       <a:bgFillStyleLst>
         <a:solidFill>
           <a:schemeClr val="phClr"/>
         </a:solidFill>
-        <a:solidFill>
-          <a:schemeClr val="phClr">
-            <a:tint val="95000"/>
-            <a:satMod val="170000"/>
-          </a:schemeClr>
-        </a:solidFill>
         <a:gradFill rotWithShape="1">
           <a:gsLst>
             <a:gs pos="0">
               <a:schemeClr val="phClr">
-                <a:tint val="93000"/>
-                <a:satMod val="150000"/>
-                <a:shade val="98000"/>
-                <a:lumMod val="102000"/>
+                <a:tint val="85000"/>
+                <a:satMod val="180000"/>
               </a:schemeClr>
             </a:gs>
-            <a:gs pos="50000">
+            <a:gs pos="40000">
               <a:schemeClr val="phClr">
-                <a:tint val="98000"/>
-                <a:satMod val="130000"/>
-                <a:shade val="90000"/>
-                <a:lumMod val="103000"/>
+                <a:tint val="95000"/>
+                <a:shade val="85000"/>
+                <a:satMod val="150000"/>
               </a:schemeClr>
             </a:gs>
             <a:gs pos="100000">
               <a:schemeClr val="phClr">
-                <a:shade val="63000"/>
-                <a:satMod val="120000"/>
+                <a:shade val="45000"/>
+                <a:satMod val="200000"/>
               </a:schemeClr>
             </a:gs>
           </a:gsLst>
           <a:lin ang="5400000" scaled="0"/>
         </a:gradFill>
+        <a:blipFill rotWithShape="1">
+          <a:blip xmlns:r="http://schemas.openxmlformats.org/officeDocument/2006/relationships" r:embed="rId1">
+            <a:duotone>
+              <a:schemeClr val="phClr">
+                <a:shade val="55000"/>
+              </a:schemeClr>
+              <a:schemeClr val="phClr">
+                <a:tint val="97000"/>
+                <a:satMod val="95000"/>
+              </a:schemeClr>
+            </a:duotone>
+          </a:blip>
+          <a:tile tx="0" ty="0" sx="70000" sy="70000" flip="none" algn="tl"/>
+        </a:blipFill>
       </a:bgFillStyleLst>
     </a:fmtScheme>
   </a:themeElements>
   <a:objectDefaults/>
   <a:extraClrSchemeLst/>
-  <a:extLst>
-    <a:ext uri="{05A4C25C-085E-4340-85A3-A5531E510DB2}">
-      <thm15:themeFamily xmlns:thm15="http://schemas.microsoft.com/office/thememl/2012/main" name="Office Theme" id="{62F939B6-93AF-4DB8-9C6B-D6C7DFDC589F}" vid="{4A3C46E8-61CC-4603-A589-7422A47A8E4A}"/>
-    </a:ext>
-  </a:extLst>
 </a:theme>
 </file>